--- a/papers/async-re/data/RE_ahm10.pptx
+++ b/papers/async-re/data/RE_ahm10.pptx
@@ -6,31 +6,29 @@
     <p:sldMasterId id="2147483677" r:id="rId2"/>
   </p:sldMasterIdLst>
   <p:notesMasterIdLst>
-    <p:notesMasterId r:id="rId22"/>
+    <p:notesMasterId r:id="rId20"/>
   </p:notesMasterIdLst>
   <p:handoutMasterIdLst>
-    <p:handoutMasterId r:id="rId23"/>
+    <p:handoutMasterId r:id="rId21"/>
   </p:handoutMasterIdLst>
   <p:sldIdLst>
     <p:sldId id="256" r:id="rId3"/>
-    <p:sldId id="261" r:id="rId4"/>
-    <p:sldId id="262" r:id="rId5"/>
-    <p:sldId id="263" r:id="rId6"/>
-    <p:sldId id="265" r:id="rId7"/>
-    <p:sldId id="267" r:id="rId8"/>
-    <p:sldId id="269" r:id="rId9"/>
-    <p:sldId id="286" r:id="rId10"/>
-    <p:sldId id="272" r:id="rId11"/>
-    <p:sldId id="270" r:id="rId12"/>
+    <p:sldId id="289" r:id="rId4"/>
+    <p:sldId id="261" r:id="rId5"/>
+    <p:sldId id="262" r:id="rId6"/>
+    <p:sldId id="263" r:id="rId7"/>
+    <p:sldId id="265" r:id="rId8"/>
+    <p:sldId id="267" r:id="rId9"/>
+    <p:sldId id="269" r:id="rId10"/>
+    <p:sldId id="286" r:id="rId11"/>
+    <p:sldId id="272" r:id="rId12"/>
     <p:sldId id="273" r:id="rId13"/>
     <p:sldId id="284" r:id="rId14"/>
     <p:sldId id="275" r:id="rId15"/>
     <p:sldId id="276" r:id="rId16"/>
     <p:sldId id="287" r:id="rId17"/>
     <p:sldId id="279" r:id="rId18"/>
-    <p:sldId id="280" r:id="rId19"/>
-    <p:sldId id="281" r:id="rId20"/>
-    <p:sldId id="282" r:id="rId21"/>
+    <p:sldId id="288" r:id="rId19"/>
   </p:sldIdLst>
   <p:sldSz cx="9144000" cy="6858000" type="screen4x3"/>
   <p:notesSz cx="6858000" cy="9144000"/>
@@ -495,11 +493,11 @@
           </c:val>
         </c:ser>
         <c:marker val="1"/>
-        <c:axId val="841706152"/>
-        <c:axId val="1015835896"/>
+        <c:axId val="491440424"/>
+        <c:axId val="573202296"/>
       </c:lineChart>
       <c:catAx>
-        <c:axId val="841706152"/>
+        <c:axId val="491440424"/>
         <c:scaling>
           <c:orientation val="minMax"/>
         </c:scaling>
@@ -534,14 +532,14 @@
             <a:endParaRPr lang="en-US"/>
           </a:p>
         </c:txPr>
-        <c:crossAx val="1015835896"/>
+        <c:crossAx val="573202296"/>
         <c:crosses val="autoZero"/>
         <c:auto val="1"/>
         <c:lblAlgn val="ctr"/>
         <c:lblOffset val="100"/>
       </c:catAx>
       <c:valAx>
-        <c:axId val="1015835896"/>
+        <c:axId val="573202296"/>
         <c:scaling>
           <c:orientation val="minMax"/>
           <c:min val="400.0"/>
@@ -578,7 +576,7 @@
             <a:endParaRPr lang="en-US"/>
           </a:p>
         </c:txPr>
-        <c:crossAx val="841706152"/>
+        <c:crossAx val="491440424"/>
         <c:crosses val="autoZero"/>
         <c:crossBetween val="between"/>
         <c:majorUnit val="100.0"/>
@@ -620,8 +618,36 @@
               <a:defRPr/>
             </a:pPr>
             <a:r>
-              <a:rPr lang="en-US"/>
-              <a:t>Results (distributed over Teragrid resources Ranger and QueenBee) </a:t>
+              <a:rPr lang="en-US" dirty="0"/>
+              <a:t>Results </a:t>
+            </a:r>
+            <a:r>
+              <a:rPr lang="en-US" dirty="0" smtClean="0"/>
+              <a:t>(</a:t>
+            </a:r>
+            <a:r>
+              <a:rPr lang="en-US" dirty="0" err="1" smtClean="0"/>
+              <a:t>Teragrid</a:t>
+            </a:r>
+            <a:r>
+              <a:rPr lang="en-US" dirty="0" smtClean="0"/>
+              <a:t> </a:t>
+            </a:r>
+            <a:r>
+              <a:rPr lang="en-US" dirty="0"/>
+              <a:t>resources Ranger</a:t>
+            </a:r>
+            <a:r>
+              <a:rPr lang="en-US" dirty="0" smtClean="0"/>
+              <a:t> &amp; </a:t>
+            </a:r>
+            <a:r>
+              <a:rPr lang="en-US" dirty="0" err="1"/>
+              <a:t>QueenBee</a:t>
+            </a:r>
+            <a:r>
+              <a:rPr lang="en-US" dirty="0"/>
+              <a:t>) </a:t>
             </a:r>
           </a:p>
         </c:rich>
@@ -939,11 +965,11 @@
             </c:numRef>
           </c:val>
         </c:ser>
-        <c:axId val="499552488"/>
-        <c:axId val="418420200"/>
+        <c:axId val="572966504"/>
+        <c:axId val="543295672"/>
       </c:barChart>
       <c:catAx>
-        <c:axId val="499552488"/>
+        <c:axId val="572966504"/>
         <c:scaling>
           <c:orientation val="minMax"/>
         </c:scaling>
@@ -958,23 +984,133 @@
                   <a:defRPr/>
                 </a:pPr>
                 <a:r>
-                  <a:rPr lang="en-US"/>
-                  <a:t>1A - 2 X 64 cores, 4 replicas/bigjob; 1B - in same experiment as 1, time noted for 16 exchanges; 2 - 1 X 64 cores, 4 replicas/bigjob; 3 - 1 X 128 cores, 8 replicas/bigjob</a:t>
+                  <a:rPr lang="en-US" dirty="0" smtClean="0"/>
+                  <a:t>Scenario 1A:</a:t>
                 </a:r>
+                <a:r>
+                  <a:rPr lang="en-US" baseline="0" dirty="0" smtClean="0"/>
+                  <a:t>   </a:t>
+                </a:r>
+                <a:r>
+                  <a:rPr lang="en-US" dirty="0" smtClean="0"/>
+                  <a:t>2 </a:t>
+                </a:r>
+                <a:r>
+                  <a:rPr lang="en-US" dirty="0"/>
+                  <a:t>X 64 cores, 4 replicas/</a:t>
+                </a:r>
+                <a:r>
+                  <a:rPr lang="en-US" dirty="0" err="1" smtClean="0"/>
+                  <a:t>bigjob</a:t>
+                </a:r>
+                <a:endParaRPr lang="en-US" dirty="0" smtClean="0"/>
+              </a:p>
+              <a:p>
+                <a:pPr>
+                  <a:defRPr/>
+                </a:pPr>
+                <a:r>
+                  <a:rPr lang="en-US" dirty="0" smtClean="0"/>
+                  <a:t>Scenario</a:t>
+                </a:r>
+                <a:r>
+                  <a:rPr lang="en-US" baseline="0" dirty="0" smtClean="0"/>
+                  <a:t> </a:t>
+                </a:r>
+                <a:r>
+                  <a:rPr lang="en-US" dirty="0" smtClean="0"/>
+                  <a:t>1B:</a:t>
+                </a:r>
+                <a:r>
+                  <a:rPr lang="en-US" baseline="0" dirty="0" smtClean="0"/>
+                  <a:t> </a:t>
+                </a:r>
+                <a:r>
+                  <a:rPr lang="en-US" dirty="0" smtClean="0"/>
+                  <a:t>Exp. 1</a:t>
+                </a:r>
+                <a:r>
+                  <a:rPr lang="en-US" baseline="0" dirty="0" smtClean="0"/>
+                  <a:t> </a:t>
+                </a:r>
+                <a:r>
+                  <a:rPr lang="en-US" dirty="0" smtClean="0"/>
+                  <a:t>for </a:t>
+                </a:r>
+                <a:r>
+                  <a:rPr lang="en-US" dirty="0"/>
+                  <a:t>16 </a:t>
+                </a:r>
+                <a:r>
+                  <a:rPr lang="en-US" dirty="0" smtClean="0"/>
+                  <a:t>exchanges</a:t>
+                </a:r>
+              </a:p>
+              <a:p>
+                <a:pPr>
+                  <a:defRPr/>
+                </a:pPr>
+                <a:r>
+                  <a:rPr lang="en-US" dirty="0" smtClean="0"/>
+                  <a:t>Scenarios 2:</a:t>
+                </a:r>
+                <a:r>
+                  <a:rPr lang="en-US" baseline="0" dirty="0" smtClean="0"/>
+                  <a:t> </a:t>
+                </a:r>
+                <a:r>
+                  <a:rPr lang="en-US" dirty="0" smtClean="0"/>
+                  <a:t>1 </a:t>
+                </a:r>
+                <a:r>
+                  <a:rPr lang="en-US" dirty="0"/>
+                  <a:t>X 64 cores, 4 replicas/</a:t>
+                </a:r>
+                <a:r>
+                  <a:rPr lang="en-US" dirty="0" err="1" smtClean="0"/>
+                  <a:t>bigjob</a:t>
+                </a:r>
+                <a:endParaRPr lang="en-US" dirty="0" smtClean="0"/>
+              </a:p>
+              <a:p>
+                <a:pPr>
+                  <a:defRPr/>
+                </a:pPr>
+                <a:r>
+                  <a:rPr lang="en-US" dirty="0" smtClean="0"/>
+                  <a:t>Scenarios 3:</a:t>
+                </a:r>
+                <a:r>
+                  <a:rPr lang="en-US" baseline="0" dirty="0" smtClean="0"/>
+                  <a:t> </a:t>
+                </a:r>
+                <a:r>
+                  <a:rPr lang="en-US" dirty="0" smtClean="0"/>
+                  <a:t>1 </a:t>
+                </a:r>
+                <a:r>
+                  <a:rPr lang="en-US" dirty="0"/>
+                  <a:t>X 128 cores, 8 replicas/</a:t>
+                </a:r>
+                <a:r>
+                  <a:rPr lang="en-US" dirty="0" err="1"/>
+                  <a:t>bigjob</a:t>
+                </a:r>
+                <a:endParaRPr lang="en-US" dirty="0"/>
               </a:p>
             </c:rich>
           </c:tx>
           <c:layout/>
         </c:title>
         <c:tickLblPos val="nextTo"/>
-        <c:crossAx val="418420200"/>
+        <c:crossAx val="543295672"/>
         <c:crosses val="autoZero"/>
         <c:auto val="1"/>
         <c:lblAlgn val="ctr"/>
         <c:lblOffset val="100"/>
       </c:catAx>
       <c:valAx>
-        <c:axId val="418420200"/>
+        <c:axId val="543295672"/>
         <c:scaling>
           <c:orientation val="minMax"/>
         </c:scaling>
@@ -1000,7 +1136,7 @@
         </c:title>
         <c:numFmt formatCode="General" sourceLinked="1"/>
         <c:tickLblPos val="nextTo"/>
-        <c:crossAx val="499552488"/>
+        <c:crossAx val="572966504"/>
         <c:crosses val="autoZero"/>
         <c:crossBetween val="between"/>
       </c:valAx>
@@ -1702,88 +1838,6 @@
 </p:notes>
 </file>
 
-<file path=ppt/notesSlides/notesSlide11.xml><?xml version="1.0" encoding="utf-8"?>
-<p:notes xmlns:a="http://schemas.openxmlformats.org/drawingml/2006/main" xmlns:r="http://schemas.openxmlformats.org/officeDocument/2006/relationships" xmlns:mc="http://schemas.openxmlformats.org/markup-compatibility/2006" xmlns:mv="urn:schemas-microsoft-com:mac:vml" xmlns:p="http://schemas.openxmlformats.org/presentationml/2006/main" mc:Ignorable="mv" mc:PreserveAttributes="mv:*">
-  <p:cSld>
-    <p:spTree>
-      <p:nvGrpSpPr>
-        <p:cNvPr id="1" name=""/>
-        <p:cNvGrpSpPr/>
-        <p:nvPr/>
-      </p:nvGrpSpPr>
-      <p:grpSpPr>
-        <a:xfrm>
-          <a:off x="0" y="0"/>
-          <a:ext cx="0" cy="0"/>
-          <a:chOff x="0" y="0"/>
-          <a:chExt cx="0" cy="0"/>
-        </a:xfrm>
-      </p:grpSpPr>
-      <p:sp>
-        <p:nvSpPr>
-          <p:cNvPr id="2" name="Slide Image Placeholder 1"/>
-          <p:cNvSpPr>
-            <a:spLocks noGrp="1" noRot="1" noChangeAspect="1"/>
-          </p:cNvSpPr>
-          <p:nvPr>
-            <p:ph type="sldImg"/>
-          </p:nvPr>
-        </p:nvSpPr>
-        <p:spPr/>
-      </p:sp>
-      <p:sp>
-        <p:nvSpPr>
-          <p:cNvPr id="3" name="Notes Placeholder 2"/>
-          <p:cNvSpPr>
-            <a:spLocks noGrp="1"/>
-          </p:cNvSpPr>
-          <p:nvPr>
-            <p:ph type="body" idx="1"/>
-          </p:nvPr>
-        </p:nvSpPr>
-        <p:spPr/>
-        <p:txBody>
-          <a:bodyPr>
-            <a:normAutofit/>
-          </a:bodyPr>
-          <a:lstStyle/>
-          <a:p>
-            <a:endParaRPr lang="en-US" dirty="0"/>
-          </a:p>
-        </p:txBody>
-      </p:sp>
-      <p:sp>
-        <p:nvSpPr>
-          <p:cNvPr id="4" name="Slide Number Placeholder 3"/>
-          <p:cNvSpPr>
-            <a:spLocks noGrp="1"/>
-          </p:cNvSpPr>
-          <p:nvPr>
-            <p:ph type="sldNum" sz="quarter" idx="10"/>
-          </p:nvPr>
-        </p:nvSpPr>
-        <p:spPr/>
-        <p:txBody>
-          <a:bodyPr/>
-          <a:lstStyle/>
-          <a:p>
-            <a:fld id="{D770256F-FACB-CC4B-A3D9-71375CB20943}" type="slidenum">
-              <a:rPr lang="en-US" smtClean="0"/>
-              <a:pPr/>
-              <a:t>18</a:t>
-            </a:fld>
-            <a:endParaRPr lang="en-US"/>
-          </a:p>
-        </p:txBody>
-      </p:sp>
-    </p:spTree>
-  </p:cSld>
-  <p:clrMapOvr>
-    <a:masterClrMapping/>
-  </p:clrMapOvr>
-</p:notes>
-</file>
-
 <file path=ppt/notesSlides/notesSlide2.xml><?xml version="1.0" encoding="utf-8"?>
 <p:notes xmlns:a="http://schemas.openxmlformats.org/drawingml/2006/main" xmlns:r="http://schemas.openxmlformats.org/officeDocument/2006/relationships" xmlns:mc="http://schemas.openxmlformats.org/markup-compatibility/2006" xmlns:mv="urn:schemas-microsoft-com:mac:vml" xmlns:p="http://schemas.openxmlformats.org/presentationml/2006/main" mc:Ignorable="mv" mc:PreserveAttributes="mv:*">
   <p:cSld>
@@ -1869,7 +1923,7 @@
             <a:fld id="{D770256F-FACB-CC4B-A3D9-71375CB20943}" type="slidenum">
               <a:rPr lang="en-US" smtClean="0"/>
               <a:pPr/>
-              <a:t>2</a:t>
+              <a:t>3</a:t>
             </a:fld>
             <a:endParaRPr lang="en-US"/>
           </a:p>
@@ -1968,7 +2022,7 @@
             <a:fld id="{D770256F-FACB-CC4B-A3D9-71375CB20943}" type="slidenum">
               <a:rPr lang="en-US" smtClean="0"/>
               <a:pPr/>
-              <a:t>3</a:t>
+              <a:t>4</a:t>
             </a:fld>
             <a:endParaRPr lang="en-US"/>
           </a:p>
@@ -2067,7 +2121,7 @@
             <a:fld id="{D770256F-FACB-CC4B-A3D9-71375CB20943}" type="slidenum">
               <a:rPr lang="en-US" smtClean="0"/>
               <a:pPr/>
-              <a:t>5</a:t>
+              <a:t>6</a:t>
             </a:fld>
             <a:endParaRPr lang="en-US"/>
           </a:p>
@@ -2186,7 +2240,7 @@
             <a:fld id="{D770256F-FACB-CC4B-A3D9-71375CB20943}" type="slidenum">
               <a:rPr lang="en-US" smtClean="0"/>
               <a:pPr/>
-              <a:t>6</a:t>
+              <a:t>7</a:t>
             </a:fld>
             <a:endParaRPr lang="en-US"/>
           </a:p>
@@ -2278,7 +2332,7 @@
             <a:fld id="{D770256F-FACB-CC4B-A3D9-71375CB20943}" type="slidenum">
               <a:rPr lang="en-US" smtClean="0"/>
               <a:pPr/>
-              <a:t>7</a:t>
+              <a:t>8</a:t>
             </a:fld>
             <a:endParaRPr lang="en-US"/>
           </a:p>
@@ -9236,11 +9290,7 @@
             </a:r>
             <a:r>
               <a:rPr lang="en-US" dirty="0" smtClean="0"/>
-              <a:t>, </a:t>
-            </a:r>
-            <a:r>
-              <a:rPr lang="en-US" dirty="0" smtClean="0"/>
-              <a:t>Andre </a:t>
+              <a:t>, Andre </a:t>
             </a:r>
             <a:r>
               <a:rPr lang="en-US" dirty="0" err="1" smtClean="0"/>
@@ -9248,11 +9298,7 @@
             </a:r>
             <a:r>
               <a:rPr lang="en-US" dirty="0" smtClean="0"/>
-              <a:t>, Shantenu </a:t>
-            </a:r>
-            <a:r>
-              <a:rPr lang="en-US" dirty="0" smtClean="0"/>
-              <a:t>Jha</a:t>
+              <a:t>, Shantenu Jha</a:t>
             </a:r>
           </a:p>
           <a:p>
@@ -9260,8 +9306,12 @@
           </a:p>
           <a:p>
             <a:r>
+              <a:rPr lang="en-US" i="1" smtClean="0"/>
+              <a:t>[* Student </a:t>
+            </a:r>
+            <a:r>
               <a:rPr lang="en-US" i="1" dirty="0" smtClean="0"/>
-              <a:t>[Student Paper:  This  work is part of </a:t>
+              <a:t>Paper:  This  work is part of </a:t>
             </a:r>
             <a:r>
               <a:rPr lang="en-US" i="1" dirty="0" err="1" smtClean="0"/>
@@ -9298,7 +9348,7 @@
           <a:p>
             <a:r>
               <a:rPr lang="en-US" sz="2800" dirty="0" smtClean="0"/>
-              <a:t>Efficient Replica-Exchange Simulations on Large-Scale Production Infrastructure</a:t>
+              <a:t>Efficient Replica-Exchange Simulations on Large-Scale Production Grid Infrastructure*</a:t>
             </a:r>
             <a:endParaRPr lang="en-US" sz="2800" dirty="0"/>
           </a:p>
@@ -9306,7 +9356,7 @@
       </p:sp>
       <p:pic>
         <p:nvPicPr>
-          <p:cNvPr id="8" name="Picture 7"/>
+          <p:cNvPr id="7" name="Picture 6"/>
           <p:cNvPicPr>
             <a:picLocks noChangeAspect="1"/>
           </p:cNvPicPr>
@@ -9331,8 +9381,8 @@
         </p:blipFill>
         <p:spPr>
           <a:xfrm>
-            <a:off x="8205509" y="6282902"/>
-            <a:ext cx="472733" cy="463656"/>
+            <a:off x="1455614" y="5728829"/>
+            <a:ext cx="826477" cy="826477"/>
           </a:xfrm>
           <a:prstGeom prst="rect">
             <a:avLst/>
@@ -9341,33 +9391,22 @@
       </p:pic>
       <p:pic>
         <p:nvPicPr>
-          <p:cNvPr id="9" name="Picture 8"/>
+          <p:cNvPr id="11" name="Picture 10"/>
           <p:cNvPicPr>
             <a:picLocks noChangeAspect="1"/>
           </p:cNvPicPr>
           <p:nvPr/>
         </p:nvPicPr>
         <p:blipFill>
-          <a:blip r:embed="rId4">
-            <a:clrChange>
-              <a:clrFrom>
-                <a:srgbClr val="FFFFFF"/>
-              </a:clrFrom>
-              <a:clrTo>
-                <a:srgbClr val="FFFFFF">
-                  <a:alpha val="0"/>
-                </a:srgbClr>
-              </a:clrTo>
-            </a:clrChange>
-          </a:blip>
+          <a:blip r:embed="rId4"/>
           <a:stretch>
             <a:fillRect/>
           </a:stretch>
         </p:blipFill>
         <p:spPr>
           <a:xfrm>
-            <a:off x="7641023" y="6271762"/>
-            <a:ext cx="463656" cy="463656"/>
+            <a:off x="4983769" y="6020318"/>
+            <a:ext cx="1079685" cy="421752"/>
           </a:xfrm>
           <a:prstGeom prst="rect">
             <a:avLst/>
@@ -9376,7 +9415,7 @@
       </p:pic>
       <p:pic>
         <p:nvPicPr>
-          <p:cNvPr id="10" name="Picture 9"/>
+          <p:cNvPr id="13" name="Picture 12" descr="NIH_Logo.gif"/>
           <p:cNvPicPr>
             <a:picLocks noChangeAspect="1"/>
           </p:cNvPicPr>
@@ -9390,8 +9429,32 @@
         </p:blipFill>
         <p:spPr>
           <a:xfrm>
-            <a:off x="6488770" y="6306664"/>
-            <a:ext cx="1079685" cy="421752"/>
+            <a:off x="2741519" y="5685488"/>
+            <a:ext cx="851861" cy="851861"/>
+          </a:xfrm>
+          <a:prstGeom prst="rect">
+            <a:avLst/>
+          </a:prstGeom>
+        </p:spPr>
+      </p:pic>
+      <p:pic>
+        <p:nvPicPr>
+          <p:cNvPr id="15" name="Picture 14" descr="EPSRC_logo.png"/>
+          <p:cNvPicPr>
+            <a:picLocks noChangeAspect="1"/>
+          </p:cNvPicPr>
+          <p:nvPr/>
+        </p:nvPicPr>
+        <p:blipFill>
+          <a:blip r:embed="rId6"/>
+          <a:stretch>
+            <a:fillRect/>
+          </a:stretch>
+        </p:blipFill>
+        <p:spPr>
+          <a:xfrm>
+            <a:off x="6537446" y="5950514"/>
+            <a:ext cx="1587347" cy="529116"/>
           </a:xfrm>
           <a:prstGeom prst="rect">
             <a:avLst/>
@@ -9442,13 +9505,26 @@
         </p:nvSpPr>
         <p:spPr/>
         <p:txBody>
-          <a:bodyPr/>
+          <a:bodyPr>
+            <a:normAutofit fontScale="90000"/>
+          </a:bodyPr>
           <a:lstStyle/>
           <a:p>
             <a:r>
-              <a:rPr lang="en-US" dirty="0" smtClean="0"/>
-              <a:t>Advantages and Limitations</a:t>
-            </a:r>
+              <a:rPr lang="en-US" sz="2889" dirty="0" smtClean="0"/>
+              <a:t>SAGA </a:t>
+            </a:r>
+            <a:r>
+              <a:rPr lang="en-US" sz="2889" dirty="0" err="1" smtClean="0"/>
+              <a:t>BigJob</a:t>
+            </a:r>
+            <a:r>
+              <a:rPr lang="en-US" sz="2889" dirty="0" smtClean="0"/>
+              <a:t>: General purpose Pilot-Job </a:t>
+            </a:r>
+            <a:br>
+              <a:rPr lang="en-US" sz="2889" dirty="0" smtClean="0"/>
+            </a:br>
             <a:endParaRPr lang="en-US" dirty="0"/>
           </a:p>
         </p:txBody>
@@ -9463,7 +9539,12 @@
             <p:ph idx="1"/>
           </p:nvPr>
         </p:nvSpPr>
-        <p:spPr/>
+        <p:spPr>
+          <a:xfrm>
+            <a:off x="757947" y="1529880"/>
+            <a:ext cx="7966954" cy="1683220"/>
+          </a:xfrm>
+        </p:spPr>
         <p:txBody>
           <a:bodyPr>
             <a:normAutofit/>
@@ -9472,23 +9553,122 @@
           <a:p>
             <a:r>
               <a:rPr lang="en-US" dirty="0" smtClean="0"/>
-              <a:t>This is an improvement over the Synchronous RE algorithm. </a:t>
-            </a:r>
-          </a:p>
-          <a:p>
-            <a:r>
-              <a:rPr lang="en-US" dirty="0" smtClean="0"/>
-              <a:t>Scales better with more replicas and distributed resources.</a:t>
-            </a:r>
-          </a:p>
-          <a:p>
-            <a:endParaRPr lang="en-US" dirty="0" smtClean="0"/>
-          </a:p>
-          <a:p>
-            <a:r>
-              <a:rPr lang="en-US" dirty="0" smtClean="0"/>
-              <a:t>But with large number of replicas, the centralized implementation becomes a bottleneck.</a:t>
-            </a:r>
+              <a:t>We use the SAGA </a:t>
+            </a:r>
+            <a:r>
+              <a:rPr lang="en-US" dirty="0" err="1" smtClean="0"/>
+              <a:t>BigJob</a:t>
+            </a:r>
+            <a:r>
+              <a:rPr lang="en-US" dirty="0" smtClean="0"/>
+              <a:t> (the </a:t>
+            </a:r>
+            <a:r>
+              <a:rPr lang="en-US" dirty="0"/>
+              <a:t>SAGA Pilot-Job </a:t>
+            </a:r>
+            <a:r>
+              <a:rPr lang="en-US" dirty="0" smtClean="0"/>
+              <a:t>framework</a:t>
+            </a:r>
+            <a:r>
+              <a:rPr lang="en-US" dirty="0"/>
+              <a:t>)</a:t>
+            </a:r>
+            <a:r>
+              <a:rPr lang="en-US" dirty="0" smtClean="0"/>
+              <a:t> to </a:t>
+            </a:r>
+            <a:r>
+              <a:rPr lang="en-US" dirty="0"/>
+              <a:t>run RE simulations across multiple</a:t>
+            </a:r>
+            <a:r>
+              <a:rPr lang="en-US" dirty="0" smtClean="0"/>
+              <a:t>, heterogeneous </a:t>
+            </a:r>
+            <a:r>
+              <a:rPr lang="en-US" dirty="0"/>
+              <a:t>distributed </a:t>
+            </a:r>
+            <a:r>
+              <a:rPr lang="en-US" dirty="0" smtClean="0"/>
+              <a:t>Grid infrastructures.  Supports both pull and push-based.</a:t>
+            </a:r>
+          </a:p>
+        </p:txBody>
+      </p:sp>
+      <p:pic>
+        <p:nvPicPr>
+          <p:cNvPr id="4" name="Picture 3" descr="Bigjob_arch.pdf"/>
+          <p:cNvPicPr>
+            <a:picLocks noChangeAspect="1"/>
+          </p:cNvPicPr>
+          <p:nvPr/>
+        </p:nvPicPr>
+        <mc:AlternateContent>
+          <mc:Choice xmlns:ma="http://schemas.microsoft.com/office/mac/drawingml/2008/main" Requires="ma">
+            <p:blipFill>
+              <a:blip r:embed="rId2"/>
+              <a:stretch>
+                <a:fillRect/>
+              </a:stretch>
+            </p:blipFill>
+          </mc:Choice>
+          <mc:Fallback>
+            <p:blipFill>
+              <a:blip r:embed="rId3"/>
+              <a:stretch>
+                <a:fillRect/>
+              </a:stretch>
+            </p:blipFill>
+          </mc:Fallback>
+        </mc:AlternateContent>
+        <p:spPr>
+          <a:xfrm>
+            <a:off x="1890643" y="2654300"/>
+            <a:ext cx="6173857" cy="4091313"/>
+          </a:xfrm>
+          <a:prstGeom prst="rect">
+            <a:avLst/>
+          </a:prstGeom>
+        </p:spPr>
+      </p:pic>
+      <p:sp>
+        <p:nvSpPr>
+          <p:cNvPr id="5" name="TextBox 4"/>
+          <p:cNvSpPr txBox="1"/>
+          <p:nvPr/>
+        </p:nvSpPr>
+        <p:spPr>
+          <a:xfrm>
+            <a:off x="2404003" y="4802595"/>
+            <a:ext cx="827794" cy="215444"/>
+          </a:xfrm>
+          <a:prstGeom prst="rect">
+            <a:avLst/>
+          </a:prstGeom>
+          <a:noFill/>
+        </p:spPr>
+        <p:txBody>
+          <a:bodyPr wrap="square" rtlCol="0">
+            <a:spAutoFit/>
+          </a:bodyPr>
+          <a:lstStyle/>
+          <a:p>
+            <a:r>
+              <a:rPr lang="en-US" sz="800" dirty="0" smtClean="0">
+                <a:solidFill>
+                  <a:schemeClr val="bg1"/>
+                </a:solidFill>
+              </a:rPr>
+              <a:t>(Application)</a:t>
+            </a:r>
+            <a:endParaRPr lang="en-US" sz="800" dirty="0">
+              <a:solidFill>
+                <a:schemeClr val="bg1"/>
+              </a:solidFill>
+            </a:endParaRPr>
           </a:p>
         </p:txBody>
       </p:sp>
@@ -9611,7 +9791,6 @@
               <a:rPr lang="en-US" dirty="0" smtClean="0"/>
               <a:t>Case III: Asynchronous RE (decentralized)</a:t>
             </a:r>
-            <a:endParaRPr lang="en-US" dirty="0" smtClean="0"/>
           </a:p>
           <a:p>
             <a:r>
@@ -9705,11 +9884,7 @@
           <a:p>
             <a:r>
               <a:rPr lang="en-US" dirty="0" smtClean="0"/>
-              <a:t>Experiment </a:t>
-            </a:r>
-            <a:r>
-              <a:rPr lang="en-US" dirty="0" smtClean="0"/>
-              <a:t>Configurations</a:t>
+              <a:t>Experiment Configurations</a:t>
             </a:r>
             <a:endParaRPr lang="en-US" dirty="0"/>
           </a:p>
@@ -9738,15 +9913,7 @@
                   <a:srgbClr val="595959"/>
                 </a:solidFill>
               </a:rPr>
-              <a:t>All cases use a </a:t>
-            </a:r>
-            <a:r>
-              <a:rPr lang="en-US" dirty="0" smtClean="0">
-                <a:solidFill>
-                  <a:srgbClr val="595959"/>
-                </a:solidFill>
-              </a:rPr>
-              <a:t>parallel NAMD simulation with 4, 8, 16, 32 and 64 replicas sampling a temperature between 300 K and 1000 K on </a:t>
+              <a:t>All cases use a parallel NAMD simulation with 4, 8, 16, 32 and 64 replicas sampling a temperature between 300 K and 1000 K on </a:t>
             </a:r>
             <a:r>
               <a:rPr lang="en-US" dirty="0" err="1" smtClean="0">
@@ -9778,74 +9945,29 @@
                   <a:srgbClr val="595959"/>
                 </a:solidFill>
               </a:rPr>
-              <a:t> </a:t>
-            </a:r>
+              <a:t> machine</a:t>
+            </a:r>
+          </a:p>
+          <a:p>
+            <a:pPr lvl="1"/>
             <a:r>
               <a:rPr lang="en-US" dirty="0" smtClean="0">
                 <a:solidFill>
                   <a:srgbClr val="595959"/>
                 </a:solidFill>
               </a:rPr>
-              <a:t>machine</a:t>
-            </a:r>
-          </a:p>
-          <a:p>
-            <a:pPr lvl="1"/>
+              <a:t>The ratio between the number of replicas and the number of exchanges is kept constant, for the purpose of comparison.</a:t>
+            </a:r>
+          </a:p>
+          <a:p>
+            <a:pPr lvl="0"/>
             <a:r>
               <a:rPr lang="en-US" dirty="0" smtClean="0">
                 <a:solidFill>
                   <a:srgbClr val="595959"/>
                 </a:solidFill>
               </a:rPr>
-              <a:t>The ratio between the number of replicas and the number of exchanges is kept constant, for the purpose of comparison</a:t>
-            </a:r>
-            <a:r>
-              <a:rPr lang="en-US" dirty="0" smtClean="0">
-                <a:solidFill>
-                  <a:srgbClr val="595959"/>
-                </a:solidFill>
-              </a:rPr>
-              <a:t>.</a:t>
-            </a:r>
-            <a:endParaRPr lang="en-US" dirty="0" smtClean="0">
-              <a:solidFill>
-                <a:srgbClr val="595959"/>
-              </a:solidFill>
-            </a:endParaRPr>
-          </a:p>
-          <a:p>
-            <a:pPr lvl="0"/>
-            <a:r>
-              <a:rPr lang="en-US" dirty="0" smtClean="0">
-                <a:solidFill>
-                  <a:srgbClr val="595959"/>
-                </a:solidFill>
-              </a:rPr>
-              <a:t>Each replica uses 16 MPI processes and runs </a:t>
-            </a:r>
-            <a:r>
-              <a:rPr lang="en-US" dirty="0" smtClean="0">
-                <a:solidFill>
-                  <a:srgbClr val="595959"/>
-                </a:solidFill>
-              </a:rPr>
-              <a:t>500 time </a:t>
-            </a:r>
-            <a:r>
-              <a:rPr lang="en-US" dirty="0" smtClean="0">
-                <a:solidFill>
-                  <a:srgbClr val="595959"/>
-                </a:solidFill>
-              </a:rPr>
-              <a:t>steps between exchange attempts.</a:t>
-            </a:r>
-            <a:r>
-              <a:rPr lang="en-US" dirty="0" smtClean="0">
-                <a:solidFill>
-                  <a:srgbClr val="595959"/>
-                </a:solidFill>
-              </a:rPr>
-              <a:t> Single </a:t>
+              <a:t>Each replica uses 16 MPI processes and runs 500 time steps between exchange attempts. Single </a:t>
             </a:r>
             <a:r>
               <a:rPr lang="en-US" dirty="0" err="1" smtClean="0">
@@ -9861,76 +9983,28 @@
                   <a:srgbClr val="595959"/>
                 </a:solidFill>
               </a:rPr>
-              <a:t> </a:t>
-            </a:r>
+              <a:t> is launched with sufficient number of cores </a:t>
+            </a:r>
+          </a:p>
+          <a:p>
+            <a:pPr lvl="0"/>
             <a:r>
               <a:rPr lang="en-US" dirty="0" smtClean="0">
                 <a:solidFill>
                   <a:srgbClr val="595959"/>
                 </a:solidFill>
               </a:rPr>
-              <a:t>is launched with sufficient number of </a:t>
-            </a:r>
+              <a:t>The metric used is the time to complete a particular number of exchanges. Ignore wait times!</a:t>
+            </a:r>
+          </a:p>
+          <a:p>
             <a:r>
               <a:rPr lang="en-US" dirty="0" smtClean="0">
                 <a:solidFill>
                   <a:srgbClr val="595959"/>
                 </a:solidFill>
               </a:rPr>
-              <a:t>cores </a:t>
-            </a:r>
-          </a:p>
-          <a:p>
-            <a:pPr lvl="0"/>
-            <a:r>
-              <a:rPr lang="en-US" dirty="0" smtClean="0">
-                <a:solidFill>
-                  <a:srgbClr val="595959"/>
-                </a:solidFill>
-              </a:rPr>
-              <a:t>The </a:t>
-            </a:r>
-            <a:r>
-              <a:rPr lang="en-US" dirty="0" smtClean="0">
-                <a:solidFill>
-                  <a:srgbClr val="595959"/>
-                </a:solidFill>
-              </a:rPr>
-              <a:t>metric used is the time to complete a particular number of exchanges</a:t>
-            </a:r>
-            <a:r>
-              <a:rPr lang="en-US" dirty="0" smtClean="0">
-                <a:solidFill>
-                  <a:srgbClr val="595959"/>
-                </a:solidFill>
-              </a:rPr>
-              <a:t>. Ignore wait times!</a:t>
-            </a:r>
-          </a:p>
-          <a:p>
-            <a:r>
-              <a:rPr lang="en-US" dirty="0" smtClean="0">
-                <a:solidFill>
-                  <a:srgbClr val="595959"/>
-                </a:solidFill>
-              </a:rPr>
-              <a:t>Each </a:t>
-            </a:r>
-            <a:r>
-              <a:rPr lang="en-US" dirty="0" smtClean="0">
-                <a:solidFill>
-                  <a:srgbClr val="595959"/>
-                </a:solidFill>
-              </a:rPr>
-              <a:t>experiment has been repeated at least 10 </a:t>
-            </a:r>
-            <a:r>
-              <a:rPr lang="en-US" dirty="0" smtClean="0">
-                <a:solidFill>
-                  <a:srgbClr val="595959"/>
-                </a:solidFill>
-              </a:rPr>
-              <a:t>times</a:t>
+              <a:t>Each experiment has been repeated at least 10 times</a:t>
             </a:r>
             <a:endParaRPr lang="en-US" dirty="0">
               <a:solidFill>
@@ -10063,30 +10137,14 @@
           <a:p>
             <a:r>
               <a:rPr lang="en-US" dirty="0" smtClean="0"/>
-              <a:t>The </a:t>
-            </a:r>
-            <a:r>
-              <a:rPr lang="en-US" dirty="0" smtClean="0"/>
-              <a:t>ratio between the number of replicas and the number of exchanges is kept </a:t>
-            </a:r>
-            <a:r>
-              <a:rPr lang="en-US" dirty="0" smtClean="0"/>
-              <a:t>constant</a:t>
+              <a:t>The ratio between the number of replicas and the number of exchanges is kept constant</a:t>
             </a:r>
           </a:p>
           <a:p>
             <a:pPr lvl="1"/>
             <a:r>
               <a:rPr lang="en-US" dirty="0" smtClean="0"/>
-              <a:t>Ideally the </a:t>
-            </a:r>
-            <a:r>
-              <a:rPr lang="en-US" dirty="0" smtClean="0"/>
-              <a:t>runtime</a:t>
-            </a:r>
-            <a:r>
-              <a:rPr lang="en-US" dirty="0" smtClean="0"/>
-              <a:t> would be constant too</a:t>
+              <a:t>Ideally the runtime would be constant too</a:t>
             </a:r>
           </a:p>
           <a:p>
@@ -10100,36 +10158,14 @@
             <a:pPr lvl="1"/>
             <a:r>
               <a:rPr lang="en-US" dirty="0" smtClean="0"/>
-              <a:t>Asynchronous RE scales better with a large number of replicas and </a:t>
-            </a:r>
-            <a:r>
-              <a:rPr lang="en-US" dirty="0" smtClean="0"/>
-              <a:t>resources. The decentralized </a:t>
-            </a:r>
-            <a:r>
-              <a:rPr lang="en-US" dirty="0" smtClean="0"/>
-              <a:t>asynchronous RE beats the centralized version</a:t>
-            </a:r>
-            <a:r>
-              <a:rPr lang="en-US" dirty="0" smtClean="0"/>
-              <a:t>.</a:t>
-            </a:r>
-            <a:endParaRPr lang="en-US" dirty="0" smtClean="0"/>
-          </a:p>
-          <a:p>
-            <a:r>
-              <a:rPr lang="en-US" dirty="0" smtClean="0"/>
-              <a:t>In </a:t>
-            </a:r>
-            <a:r>
-              <a:rPr lang="en-US" dirty="0" smtClean="0"/>
-              <a:t>synchronous RE, the overhead of managing a large group of replicas at each exchange step causes the </a:t>
-            </a:r>
-            <a:r>
-              <a:rPr lang="en-US" dirty="0" smtClean="0"/>
-              <a:t>degradation </a:t>
-            </a:r>
-            <a:endParaRPr lang="en-US" dirty="0" smtClean="0"/>
+              <a:t>Asynchronous RE scales better with a large number of replicas and resources. The decentralized asynchronous RE beats the centralized version.</a:t>
+            </a:r>
+          </a:p>
+          <a:p>
+            <a:r>
+              <a:rPr lang="en-US" dirty="0" smtClean="0"/>
+              <a:t>In synchronous RE, the overhead of managing a large group of replicas at each exchange step causes the degradation </a:t>
+            </a:r>
           </a:p>
         </p:txBody>
       </p:sp>
@@ -10184,11 +10220,7 @@
           <a:p>
             <a:r>
               <a:rPr lang="en-US" dirty="0" smtClean="0"/>
-              <a:t>Experiment </a:t>
-            </a:r>
-            <a:r>
-              <a:rPr lang="en-US" dirty="0" smtClean="0"/>
-              <a:t>Configurations</a:t>
+              <a:t>Experiment Configurations</a:t>
             </a:r>
             <a:endParaRPr lang="en-US" dirty="0"/>
           </a:p>
@@ -10217,7 +10249,15 @@
                   <a:srgbClr val="595959"/>
                 </a:solidFill>
               </a:rPr>
-              <a:t>All cases use a </a:t>
+              <a:t>All cases use a parallel NAMD simulation with 4, 8, 16, 32 and 64 replicas sampling a temperature between 300 K and 450K on </a:t>
+            </a:r>
+            <a:r>
+              <a:rPr lang="en-US" dirty="0" err="1" smtClean="0">
+                <a:solidFill>
+                  <a:srgbClr val="595959"/>
+                </a:solidFill>
+              </a:rPr>
+              <a:t>QueenBee</a:t>
             </a:r>
             <a:r>
               <a:rPr lang="en-US" dirty="0" smtClean="0">
@@ -10225,7 +10265,134 @@
                   <a:srgbClr val="595959"/>
                 </a:solidFill>
               </a:rPr>
-              <a:t>parallel NAMD simulation with 4, 8, 16, 32 and 64 replicas sampling a temperature between 300 K and</a:t>
+              <a:t> and Ranger </a:t>
+            </a:r>
+          </a:p>
+          <a:p>
+            <a:pPr lvl="1"/>
+            <a:r>
+              <a:rPr lang="en-US" dirty="0" smtClean="0">
+                <a:solidFill>
+                  <a:srgbClr val="595959"/>
+                </a:solidFill>
+              </a:rPr>
+              <a:t> The ratio between the number of replicas and the number of exchanges is kept constant, for the purpose of comparison.</a:t>
+            </a:r>
+          </a:p>
+          <a:p>
+            <a:pPr lvl="0"/>
+            <a:r>
+              <a:rPr lang="en-US" dirty="0" smtClean="0">
+                <a:solidFill>
+                  <a:srgbClr val="595959"/>
+                </a:solidFill>
+              </a:rPr>
+              <a:t>Each replica uses 16 MPI processes and runs 500 time steps between exchange attempts</a:t>
+            </a:r>
+          </a:p>
+          <a:p>
+            <a:pPr lvl="1"/>
+            <a:r>
+              <a:rPr lang="en-US" dirty="0" smtClean="0">
+                <a:solidFill>
+                  <a:srgbClr val="595959"/>
+                </a:solidFill>
+              </a:rPr>
+              <a:t>Three scenarios:</a:t>
+            </a:r>
+          </a:p>
+          <a:p>
+            <a:pPr lvl="2"/>
+            <a:r>
+              <a:rPr lang="en-US" dirty="0" smtClean="0">
+                <a:solidFill>
+                  <a:srgbClr val="595959"/>
+                </a:solidFill>
+              </a:rPr>
+              <a:t> (</a:t>
+            </a:r>
+            <a:r>
+              <a:rPr lang="en-US" dirty="0" err="1" smtClean="0">
+                <a:solidFill>
+                  <a:srgbClr val="595959"/>
+                </a:solidFill>
+              </a:rPr>
+              <a:t>i</a:t>
+            </a:r>
+            <a:r>
+              <a:rPr lang="en-US" dirty="0" smtClean="0">
+                <a:solidFill>
+                  <a:srgbClr val="595959"/>
+                </a:solidFill>
+              </a:rPr>
+              <a:t>)  Two </a:t>
+            </a:r>
+            <a:r>
+              <a:rPr lang="en-US" dirty="0" err="1" smtClean="0">
+                <a:solidFill>
+                  <a:srgbClr val="595959"/>
+                </a:solidFill>
+              </a:rPr>
+              <a:t>bigjobs</a:t>
+            </a:r>
+            <a:r>
+              <a:rPr lang="en-US" dirty="0" smtClean="0">
+                <a:solidFill>
+                  <a:srgbClr val="595959"/>
+                </a:solidFill>
+              </a:rPr>
+              <a:t> (64) on 2 machines (ii) 1 </a:t>
+            </a:r>
+            <a:r>
+              <a:rPr lang="en-US" dirty="0" err="1" smtClean="0">
+                <a:solidFill>
+                  <a:srgbClr val="595959"/>
+                </a:solidFill>
+              </a:rPr>
+              <a:t>Bigjob</a:t>
+            </a:r>
+            <a:r>
+              <a:rPr lang="en-US" dirty="0" smtClean="0">
+                <a:solidFill>
+                  <a:srgbClr val="595959"/>
+                </a:solidFill>
+              </a:rPr>
+              <a:t> (64)  on 1 machine, (iii) 1 </a:t>
+            </a:r>
+            <a:r>
+              <a:rPr lang="en-US" dirty="0" err="1" smtClean="0">
+                <a:solidFill>
+                  <a:srgbClr val="595959"/>
+                </a:solidFill>
+              </a:rPr>
+              <a:t>Bigjob</a:t>
+            </a:r>
+            <a:r>
+              <a:rPr lang="en-US" dirty="0" smtClean="0">
+                <a:solidFill>
+                  <a:srgbClr val="595959"/>
+                </a:solidFill>
+              </a:rPr>
+              <a:t> (128) on 1 machine</a:t>
+            </a:r>
+          </a:p>
+          <a:p>
+            <a:pPr lvl="0"/>
+            <a:r>
+              <a:rPr lang="en-US" dirty="0" smtClean="0">
+                <a:solidFill>
+                  <a:srgbClr val="595959"/>
+                </a:solidFill>
+              </a:rPr>
+              <a:t>The metric used is the time to complete a particular number of exchanges. Cannot Ignore wait time of 2</a:t>
+            </a:r>
+            <a:r>
+              <a:rPr lang="en-US" baseline="30000" dirty="0" smtClean="0">
+                <a:solidFill>
+                  <a:srgbClr val="595959"/>
+                </a:solidFill>
+              </a:rPr>
+              <a:t>nd</a:t>
             </a:r>
             <a:r>
               <a:rPr lang="en-US" dirty="0" smtClean="0">
@@ -10236,180 +10403,6 @@
               <a:t> </a:t>
             </a:r>
             <a:r>
-              <a:rPr lang="en-US" dirty="0" smtClean="0">
-                <a:solidFill>
-                  <a:srgbClr val="595959"/>
-                </a:solidFill>
-              </a:rPr>
-              <a:t>450</a:t>
-            </a:r>
-            <a:r>
-              <a:rPr lang="en-US" dirty="0" smtClean="0">
-                <a:solidFill>
-                  <a:srgbClr val="595959"/>
-                </a:solidFill>
-              </a:rPr>
-              <a:t>K </a:t>
-            </a:r>
-            <a:r>
-              <a:rPr lang="en-US" dirty="0" smtClean="0">
-                <a:solidFill>
-                  <a:srgbClr val="595959"/>
-                </a:solidFill>
-              </a:rPr>
-              <a:t>on </a:t>
-            </a:r>
-            <a:r>
-              <a:rPr lang="en-US" dirty="0" err="1" smtClean="0">
-                <a:solidFill>
-                  <a:srgbClr val="595959"/>
-                </a:solidFill>
-              </a:rPr>
-              <a:t>QueenBee</a:t>
-            </a:r>
-            <a:r>
-              <a:rPr lang="en-US" dirty="0" smtClean="0">
-                <a:solidFill>
-                  <a:srgbClr val="595959"/>
-                </a:solidFill>
-              </a:rPr>
-              <a:t> and Ranger </a:t>
-            </a:r>
-          </a:p>
-          <a:p>
-            <a:pPr lvl="1"/>
-            <a:r>
-              <a:rPr lang="en-US" dirty="0" smtClean="0">
-                <a:solidFill>
-                  <a:srgbClr val="595959"/>
-                </a:solidFill>
-              </a:rPr>
-              <a:t> </a:t>
-            </a:r>
-            <a:r>
-              <a:rPr lang="en-US" dirty="0" smtClean="0">
-                <a:solidFill>
-                  <a:srgbClr val="595959"/>
-                </a:solidFill>
-              </a:rPr>
-              <a:t>The </a:t>
-            </a:r>
-            <a:r>
-              <a:rPr lang="en-US" dirty="0" smtClean="0">
-                <a:solidFill>
-                  <a:srgbClr val="595959"/>
-                </a:solidFill>
-              </a:rPr>
-              <a:t>ratio between the number of replicas and the number of exchanges is kept constant, for the purpose of comparison</a:t>
-            </a:r>
-            <a:r>
-              <a:rPr lang="en-US" dirty="0" smtClean="0">
-                <a:solidFill>
-                  <a:srgbClr val="595959"/>
-                </a:solidFill>
-              </a:rPr>
-              <a:t>.</a:t>
-            </a:r>
-            <a:endParaRPr lang="en-US" dirty="0" smtClean="0">
-              <a:solidFill>
-                <a:srgbClr val="595959"/>
-              </a:solidFill>
-            </a:endParaRPr>
-          </a:p>
-          <a:p>
-            <a:pPr lvl="0"/>
-            <a:r>
-              <a:rPr lang="en-US" dirty="0" smtClean="0">
-                <a:solidFill>
-                  <a:srgbClr val="595959"/>
-                </a:solidFill>
-              </a:rPr>
-              <a:t>Each replica uses 16 MPI processes and runs </a:t>
-            </a:r>
-            <a:r>
-              <a:rPr lang="en-US" dirty="0" smtClean="0">
-                <a:solidFill>
-                  <a:srgbClr val="595959"/>
-                </a:solidFill>
-              </a:rPr>
-              <a:t>500 time </a:t>
-            </a:r>
-            <a:r>
-              <a:rPr lang="en-US" dirty="0" smtClean="0">
-                <a:solidFill>
-                  <a:srgbClr val="595959"/>
-                </a:solidFill>
-              </a:rPr>
-              <a:t>steps between exchange </a:t>
-            </a:r>
-            <a:r>
-              <a:rPr lang="en-US" dirty="0" smtClean="0">
-                <a:solidFill>
-                  <a:srgbClr val="595959"/>
-                </a:solidFill>
-              </a:rPr>
-              <a:t>attempts</a:t>
-            </a:r>
-            <a:endParaRPr lang="en-US" dirty="0" smtClean="0">
-              <a:solidFill>
-                <a:srgbClr val="595959"/>
-              </a:solidFill>
-            </a:endParaRPr>
-          </a:p>
-          <a:p>
-            <a:pPr lvl="1"/>
-            <a:r>
-              <a:rPr lang="en-US" dirty="0" smtClean="0">
-                <a:solidFill>
-                  <a:srgbClr val="595959"/>
-                </a:solidFill>
-              </a:rPr>
-              <a:t>Three scenarios:</a:t>
-            </a:r>
-          </a:p>
-          <a:p>
-            <a:pPr lvl="2"/>
-            <a:r>
-              <a:rPr lang="en-US" dirty="0" smtClean="0">
-                <a:solidFill>
-                  <a:srgbClr val="595959"/>
-                </a:solidFill>
-              </a:rPr>
-              <a:t> (</a:t>
-            </a:r>
-            <a:r>
-              <a:rPr lang="en-US" dirty="0" err="1" smtClean="0">
-                <a:solidFill>
-                  <a:srgbClr val="595959"/>
-                </a:solidFill>
-              </a:rPr>
-              <a:t>i</a:t>
-            </a:r>
-            <a:r>
-              <a:rPr lang="en-US" dirty="0" smtClean="0">
-                <a:solidFill>
-                  <a:srgbClr val="595959"/>
-                </a:solidFill>
-              </a:rPr>
-              <a:t>)  Two </a:t>
-            </a:r>
-            <a:r>
-              <a:rPr lang="en-US" dirty="0" err="1" smtClean="0">
-                <a:solidFill>
-                  <a:srgbClr val="595959"/>
-                </a:solidFill>
-              </a:rPr>
-              <a:t>bigjobs</a:t>
-            </a:r>
-            <a:r>
-              <a:rPr lang="en-US" dirty="0" smtClean="0">
-                <a:solidFill>
-                  <a:srgbClr val="595959"/>
-                </a:solidFill>
-              </a:rPr>
-              <a:t> (64) on 2 machines (ii) 1 </a:t>
-            </a:r>
-            <a:r>
               <a:rPr lang="en-US" dirty="0" err="1" smtClean="0">
                 <a:solidFill>
                   <a:srgbClr val="595959"/>
@@ -10423,108 +10416,17 @@
                   <a:srgbClr val="595959"/>
                 </a:solidFill>
               </a:rPr>
-              <a:t> (64)  on 1 machine, (iii) 1 </a:t>
-            </a:r>
-            <a:r>
-              <a:rPr lang="en-US" dirty="0" err="1" smtClean="0">
-                <a:solidFill>
-                  <a:srgbClr val="595959"/>
-                </a:solidFill>
-              </a:rPr>
-              <a:t>Bigjob</a:t>
-            </a:r>
+              <a:t> now..</a:t>
+            </a:r>
+          </a:p>
+          <a:p>
             <a:r>
               <a:rPr lang="en-US" dirty="0" smtClean="0">
                 <a:solidFill>
                   <a:srgbClr val="595959"/>
                 </a:solidFill>
               </a:rPr>
-              <a:t> (128) on 1 machine</a:t>
-            </a:r>
-          </a:p>
-          <a:p>
-            <a:pPr lvl="0"/>
-            <a:r>
-              <a:rPr lang="en-US" dirty="0" smtClean="0">
-                <a:solidFill>
-                  <a:srgbClr val="595959"/>
-                </a:solidFill>
-              </a:rPr>
-              <a:t>The </a:t>
-            </a:r>
-            <a:r>
-              <a:rPr lang="en-US" dirty="0" smtClean="0">
-                <a:solidFill>
-                  <a:srgbClr val="595959"/>
-                </a:solidFill>
-              </a:rPr>
-              <a:t>metric used is the time to complete a particular number of exchanges</a:t>
-            </a:r>
-            <a:r>
-              <a:rPr lang="en-US" dirty="0" smtClean="0">
-                <a:solidFill>
-                  <a:srgbClr val="595959"/>
-                </a:solidFill>
-              </a:rPr>
-              <a:t>. Cannot Ignore wait time of 2</a:t>
-            </a:r>
-            <a:r>
-              <a:rPr lang="en-US" baseline="30000" dirty="0" smtClean="0">
-                <a:solidFill>
-                  <a:srgbClr val="595959"/>
-                </a:solidFill>
-              </a:rPr>
-              <a:t>nd</a:t>
-            </a:r>
-            <a:r>
-              <a:rPr lang="en-US" dirty="0" smtClean="0">
-                <a:solidFill>
-                  <a:srgbClr val="595959"/>
-                </a:solidFill>
-              </a:rPr>
-              <a:t> </a:t>
-            </a:r>
-            <a:r>
-              <a:rPr lang="en-US" dirty="0" err="1" smtClean="0">
-                <a:solidFill>
-                  <a:srgbClr val="595959"/>
-                </a:solidFill>
-              </a:rPr>
-              <a:t>Bigjob</a:t>
-            </a:r>
-            <a:r>
-              <a:rPr lang="en-US" dirty="0" smtClean="0">
-                <a:solidFill>
-                  <a:srgbClr val="595959"/>
-                </a:solidFill>
-              </a:rPr>
-              <a:t> now..</a:t>
-            </a:r>
-          </a:p>
-          <a:p>
-            <a:r>
-              <a:rPr lang="en-US" dirty="0" smtClean="0">
-                <a:solidFill>
-                  <a:srgbClr val="595959"/>
-                </a:solidFill>
-              </a:rPr>
-              <a:t>Each </a:t>
-            </a:r>
-            <a:r>
-              <a:rPr lang="en-US" dirty="0" smtClean="0">
-                <a:solidFill>
-                  <a:srgbClr val="595959"/>
-                </a:solidFill>
-              </a:rPr>
-              <a:t>experiment has been repeated at least 10 </a:t>
-            </a:r>
-            <a:r>
-              <a:rPr lang="en-US" dirty="0" smtClean="0">
-                <a:solidFill>
-                  <a:srgbClr val="595959"/>
-                </a:solidFill>
-              </a:rPr>
-              <a:t>times</a:t>
+              <a:t>Each experiment has been repeated at least 10 times</a:t>
             </a:r>
             <a:endParaRPr lang="en-US" dirty="0">
               <a:solidFill>
@@ -10573,7 +10475,7 @@
           <p:nvPr/>
         </p:nvGraphicFramePr>
         <p:xfrm>
-          <a:off x="-58394" y="938696"/>
+          <a:off x="-58394" y="291628"/>
           <a:ext cx="9328303" cy="5879156"/>
         </p:xfrm>
         <a:graphic>
@@ -10588,6 +10490,13 @@
     <a:masterClrMapping/>
   </p:clrMapOvr>
   <p:transition spd="med"/>
+  <p:timing>
+    <p:tnLst>
+      <p:par>
+        <p:cTn id="1" dur="indefinite" restart="never" nodeType="tmRoot"/>
+      </p:par>
+    </p:tnLst>
+  </p:timing>
 </p:sld>
 </file>
 
@@ -10626,13 +10535,13 @@
         </p:spPr>
         <p:txBody>
           <a:bodyPr>
-            <a:normAutofit fontScale="90000"/>
+            <a:normAutofit/>
           </a:bodyPr>
           <a:lstStyle/>
           <a:p>
             <a:r>
               <a:rPr lang="en-US" dirty="0" smtClean="0"/>
-              <a:t>Analysis – More resources, faster time to completion</a:t>
+              <a:t>Analysis</a:t>
             </a:r>
             <a:endParaRPr lang="en-US" dirty="0"/>
           </a:p>
@@ -10662,34 +10571,53 @@
           <a:p>
             <a:r>
               <a:rPr lang="en-US" dirty="0" smtClean="0"/>
-              <a:t>From the graph, it can be seen that the distributed runs take longer than the local run. There are two reasons:</a:t>
+              <a:t>Distributed runs take longer than the local run. There are two reasons:</a:t>
             </a:r>
           </a:p>
           <a:p>
             <a:pPr lvl="1"/>
             <a:r>
               <a:rPr lang="en-US" dirty="0" smtClean="0"/>
+              <a:t>The waiting time of the second BJ machine comes into play</a:t>
+            </a:r>
+          </a:p>
+          <a:p>
+            <a:pPr lvl="1"/>
+            <a:r>
+              <a:rPr lang="en-US" dirty="0" smtClean="0"/>
               <a:t>The co-ordination and communication across two machines takes longer</a:t>
             </a:r>
           </a:p>
           <a:p>
+            <a:r>
+              <a:rPr lang="en-US" dirty="0" smtClean="0"/>
+              <a:t>Asynchronous RE formulation preservers performance over distributed resource; Synchronous  RE does not </a:t>
+            </a:r>
+          </a:p>
+          <a:p>
             <a:pPr lvl="1"/>
             <a:r>
               <a:rPr lang="en-US" dirty="0" smtClean="0"/>
-              <a:t>The waiting time of the second machine.</a:t>
-            </a:r>
-          </a:p>
-          <a:p>
-            <a:r>
-              <a:rPr lang="en-US" dirty="0" smtClean="0"/>
-              <a:t>The runtime is calculated as the time it takes to complete the required number of exchanges once a job request on one of the machines becomes active.</a:t>
-            </a:r>
-          </a:p>
-          <a:p>
-            <a:r>
-              <a:rPr lang="en-US" dirty="0" smtClean="0"/>
-              <a:t>Comparing 1B and 2 in the graph, we can see that, more often than not, it is beneficial to request more cores for more machines and use more replicas to make more exchanges.</a:t>
-            </a:r>
+              <a:t>Heterogeneous infrastructure (Ranger and </a:t>
+            </a:r>
+            <a:r>
+              <a:rPr lang="en-US" dirty="0" err="1" smtClean="0"/>
+              <a:t>QueenBee</a:t>
+            </a:r>
+            <a:r>
+              <a:rPr lang="en-US" dirty="0" smtClean="0"/>
+              <a:t>)</a:t>
+            </a:r>
+          </a:p>
+          <a:p>
+            <a:pPr lvl="1"/>
+            <a:r>
+              <a:rPr lang="en-US" dirty="0" smtClean="0"/>
+              <a:t>Coordinating the exchange step across two machines takes longer, hence adding to the overhead at each exchange step</a:t>
+            </a:r>
+          </a:p>
+          <a:p>
+            <a:endParaRPr lang="en-US" dirty="0" smtClean="0"/>
           </a:p>
         </p:txBody>
       </p:sp>
@@ -10699,194 +10627,6 @@
     <a:masterClrMapping/>
   </p:clrMapOvr>
   <p:transition spd="med"/>
-  <p:timing>
-    <p:tnLst>
-      <p:par>
-        <p:cTn id="1" dur="indefinite" restart="never" nodeType="tmRoot"/>
-      </p:par>
-    </p:tnLst>
-  </p:timing>
-</p:sld>
-</file>
-
-<file path=ppt/slides/slide18.xml><?xml version="1.0" encoding="utf-8"?>
-<p:sld xmlns:a="http://schemas.openxmlformats.org/drawingml/2006/main" xmlns:r="http://schemas.openxmlformats.org/officeDocument/2006/relationships" xmlns:mc="http://schemas.openxmlformats.org/markup-compatibility/2006" xmlns:mv="urn:schemas-microsoft-com:mac:vml" xmlns:p="http://schemas.openxmlformats.org/presentationml/2006/main" mc:Ignorable="mv" mc:PreserveAttributes="mv:*">
-  <p:cSld>
-    <p:spTree>
-      <p:nvGrpSpPr>
-        <p:cNvPr id="1" name=""/>
-        <p:cNvGrpSpPr/>
-        <p:nvPr/>
-      </p:nvGrpSpPr>
-      <p:grpSpPr>
-        <a:xfrm>
-          <a:off x="0" y="0"/>
-          <a:ext cx="0" cy="0"/>
-          <a:chOff x="0" y="0"/>
-          <a:chExt cx="0" cy="0"/>
-        </a:xfrm>
-      </p:grpSpPr>
-      <p:sp>
-        <p:nvSpPr>
-          <p:cNvPr id="2" name="Title 1"/>
-          <p:cNvSpPr>
-            <a:spLocks noGrp="1"/>
-          </p:cNvSpPr>
-          <p:nvPr>
-            <p:ph type="title" idx="4294967295"/>
-          </p:nvPr>
-        </p:nvSpPr>
-        <p:spPr>
-          <a:xfrm>
-            <a:off x="1114425" y="263525"/>
-            <a:ext cx="8029575" cy="914400"/>
-          </a:xfrm>
-        </p:spPr>
-        <p:txBody>
-          <a:bodyPr>
-            <a:normAutofit fontScale="90000"/>
-          </a:bodyPr>
-          <a:lstStyle/>
-          <a:p>
-            <a:r>
-              <a:rPr lang="en-US" dirty="0" smtClean="0"/>
-              <a:t>Analysis – Asynchronous RE scales better with distributed resources</a:t>
-            </a:r>
-            <a:endParaRPr lang="en-US" dirty="0"/>
-          </a:p>
-        </p:txBody>
-      </p:sp>
-      <p:sp>
-        <p:nvSpPr>
-          <p:cNvPr id="3" name="Content Placeholder 2"/>
-          <p:cNvSpPr>
-            <a:spLocks noGrp="1"/>
-          </p:cNvSpPr>
-          <p:nvPr>
-            <p:ph idx="4294967295"/>
-          </p:nvPr>
-        </p:nvSpPr>
-        <p:spPr>
-          <a:xfrm>
-            <a:off x="1176338" y="1530350"/>
-            <a:ext cx="7967662" cy="4608513"/>
-          </a:xfrm>
-        </p:spPr>
-        <p:txBody>
-          <a:bodyPr>
-            <a:normAutofit/>
-          </a:bodyPr>
-          <a:lstStyle/>
-          <a:p>
-            <a:r>
-              <a:rPr lang="en-US" dirty="0" smtClean="0"/>
-              <a:t>In the best case scenario, where both job requests on both machines become available instantaneously, asynchronous-centralized and asynchronous-decentralized equal their respective performances on a single machine.</a:t>
-            </a:r>
-          </a:p>
-          <a:p>
-            <a:r>
-              <a:rPr lang="en-US" dirty="0" smtClean="0"/>
-              <a:t>Even in the best case scenario, the synchronous RE underperforms when compared to its performance on a single machine.  </a:t>
-            </a:r>
-          </a:p>
-          <a:p>
-            <a:r>
-              <a:rPr lang="en-US" dirty="0" smtClean="0"/>
-              <a:t>The reasons are:</a:t>
-            </a:r>
-          </a:p>
-          <a:p>
-            <a:pPr lvl="1"/>
-            <a:r>
-              <a:rPr lang="en-US" dirty="0" smtClean="0"/>
-              <a:t>Heterogeneous infrastructure (Ranger and </a:t>
-            </a:r>
-            <a:r>
-              <a:rPr lang="en-US" dirty="0" err="1" smtClean="0"/>
-              <a:t>QueenBee</a:t>
-            </a:r>
-            <a:r>
-              <a:rPr lang="en-US" dirty="0" smtClean="0"/>
-              <a:t>)</a:t>
-            </a:r>
-          </a:p>
-          <a:p>
-            <a:pPr lvl="1"/>
-            <a:r>
-              <a:rPr lang="en-US" dirty="0" smtClean="0"/>
-              <a:t>Coordinating the exchange step across two machines takes longer, hence adding to the overhead at each exchange step</a:t>
-            </a:r>
-          </a:p>
-          <a:p>
-            <a:endParaRPr lang="en-US" dirty="0" smtClean="0"/>
-          </a:p>
-        </p:txBody>
-      </p:sp>
-    </p:spTree>
-  </p:cSld>
-  <p:clrMapOvr>
-    <a:masterClrMapping/>
-  </p:clrMapOvr>
-  <p:transition spd="med"/>
-  <p:timing>
-    <p:tnLst>
-      <p:par>
-        <p:cTn id="1" dur="indefinite" restart="never" nodeType="tmRoot"/>
-      </p:par>
-    </p:tnLst>
-  </p:timing>
-</p:sld>
-</file>
-
-<file path=ppt/slides/slide19.xml><?xml version="1.0" encoding="utf-8"?>
-<p:sld xmlns:a="http://schemas.openxmlformats.org/drawingml/2006/main" xmlns:r="http://schemas.openxmlformats.org/officeDocument/2006/relationships" xmlns:mc="http://schemas.openxmlformats.org/markup-compatibility/2006" xmlns:mv="urn:schemas-microsoft-com:mac:vml" xmlns:p="http://schemas.openxmlformats.org/presentationml/2006/main" mc:Ignorable="mv" mc:PreserveAttributes="mv:*">
-  <p:cSld>
-    <p:spTree>
-      <p:nvGrpSpPr>
-        <p:cNvPr id="1" name=""/>
-        <p:cNvGrpSpPr/>
-        <p:nvPr/>
-      </p:nvGrpSpPr>
-      <p:grpSpPr>
-        <a:xfrm>
-          <a:off x="0" y="0"/>
-          <a:ext cx="0" cy="0"/>
-          <a:chOff x="0" y="0"/>
-          <a:chExt cx="0" cy="0"/>
-        </a:xfrm>
-      </p:grpSpPr>
-      <p:sp>
-        <p:nvSpPr>
-          <p:cNvPr id="3" name="Content Placeholder 2"/>
-          <p:cNvSpPr>
-            <a:spLocks noGrp="1"/>
-          </p:cNvSpPr>
-          <p:nvPr>
-            <p:ph idx="1"/>
-          </p:nvPr>
-        </p:nvSpPr>
-        <p:spPr/>
-        <p:txBody>
-          <a:bodyPr/>
-          <a:lstStyle/>
-          <a:p>
-            <a:pPr algn="ctr">
-              <a:buNone/>
-            </a:pPr>
-            <a:r>
-              <a:rPr lang="en-US" dirty="0" smtClean="0"/>
-              <a:t>Questions/Comments</a:t>
-            </a:r>
-            <a:endParaRPr lang="en-US" dirty="0"/>
-          </a:p>
-        </p:txBody>
-      </p:sp>
-    </p:spTree>
-  </p:cSld>
-  <p:clrMapOvr>
-    <a:masterClrMapping/>
-  </p:clrMapOvr>
-  <p:transition/>
   <p:timing>
     <p:tnLst>
       <p:par>
@@ -10916,6 +10656,226 @@
       </p:grpSpPr>
       <p:sp>
         <p:nvSpPr>
+          <p:cNvPr id="33794" name="Title 1"/>
+          <p:cNvSpPr>
+            <a:spLocks noGrp="1"/>
+          </p:cNvSpPr>
+          <p:nvPr>
+            <p:ph type="title"/>
+          </p:nvPr>
+        </p:nvSpPr>
+        <p:spPr>
+          <a:xfrm>
+            <a:off x="928542" y="263714"/>
+            <a:ext cx="8215458" cy="914400"/>
+          </a:xfrm>
+        </p:spPr>
+        <p:txBody>
+          <a:bodyPr>
+            <a:noAutofit/>
+          </a:bodyPr>
+          <a:lstStyle/>
+          <a:p>
+            <a:r>
+              <a:rPr lang="en-US" sz="2800" dirty="0" smtClean="0"/>
+              <a:t>Understanding Distributed Applications</a:t>
+            </a:r>
+            <a:br>
+              <a:rPr lang="en-US" sz="2800" dirty="0" smtClean="0"/>
+            </a:br>
+            <a:r>
+              <a:rPr lang="en-US" sz="2400" dirty="0" smtClean="0">
+                <a:solidFill>
+                  <a:schemeClr val="bg1">
+                    <a:lumMod val="75000"/>
+                  </a:schemeClr>
+                </a:solidFill>
+              </a:rPr>
+              <a:t>IDEAS: First Principles Development Objectives</a:t>
+            </a:r>
+          </a:p>
+        </p:txBody>
+      </p:sp>
+      <p:sp>
+        <p:nvSpPr>
+          <p:cNvPr id="33795" name="Content Placeholder 2"/>
+          <p:cNvSpPr>
+            <a:spLocks noGrp="1"/>
+          </p:cNvSpPr>
+          <p:nvPr>
+            <p:ph idx="1"/>
+          </p:nvPr>
+        </p:nvSpPr>
+        <p:spPr>
+          <a:xfrm>
+            <a:off x="757947" y="1969288"/>
+            <a:ext cx="7966954" cy="4295090"/>
+          </a:xfrm>
+        </p:spPr>
+        <p:txBody>
+          <a:bodyPr>
+            <a:normAutofit fontScale="92500" lnSpcReduction="20000"/>
+          </a:bodyPr>
+          <a:lstStyle/>
+          <a:p>
+            <a:r>
+              <a:rPr lang="en-US" b="1" dirty="0" smtClean="0">
+                <a:solidFill>
+                  <a:srgbClr val="800000"/>
+                </a:solidFill>
+              </a:rPr>
+              <a:t>Interoperability:</a:t>
+            </a:r>
+            <a:r>
+              <a:rPr lang="en-US" b="1" dirty="0" smtClean="0"/>
+              <a:t>  </a:t>
+            </a:r>
+            <a:r>
+              <a:rPr lang="en-US" dirty="0" smtClean="0"/>
+              <a:t>Ability to work across multiple distributed resources</a:t>
+            </a:r>
+          </a:p>
+          <a:p>
+            <a:r>
+              <a:rPr lang="en-US" b="1" dirty="0" smtClean="0">
+                <a:solidFill>
+                  <a:srgbClr val="800000"/>
+                </a:solidFill>
+              </a:rPr>
+              <a:t>Distributed Scale-Out:  </a:t>
+            </a:r>
+            <a:r>
+              <a:rPr lang="en-US" dirty="0" smtClean="0"/>
+              <a:t>The ability to utilize multiple distributed resources concurrently</a:t>
+            </a:r>
+          </a:p>
+          <a:p>
+            <a:r>
+              <a:rPr lang="en-US" b="1" dirty="0" smtClean="0">
+                <a:solidFill>
+                  <a:srgbClr val="800000"/>
+                </a:solidFill>
+              </a:rPr>
+              <a:t>Extensibility:</a:t>
+            </a:r>
+            <a:r>
+              <a:rPr lang="en-US" dirty="0" smtClean="0">
+                <a:solidFill>
+                  <a:srgbClr val="800000"/>
+                </a:solidFill>
+              </a:rPr>
+              <a:t> </a:t>
+            </a:r>
+            <a:r>
+              <a:rPr lang="en-US" dirty="0" smtClean="0"/>
+              <a:t>Support new patterns, different programming systems, coordination, functionality &amp; Infrastructure</a:t>
+            </a:r>
+          </a:p>
+          <a:p>
+            <a:r>
+              <a:rPr lang="en-US" b="1" dirty="0" err="1" smtClean="0">
+                <a:solidFill>
+                  <a:srgbClr val="800000"/>
+                </a:solidFill>
+              </a:rPr>
+              <a:t>Adaptivity</a:t>
+            </a:r>
+            <a:r>
+              <a:rPr lang="en-US" b="1" dirty="0" smtClean="0">
+                <a:solidFill>
+                  <a:srgbClr val="800000"/>
+                </a:solidFill>
+              </a:rPr>
+              <a:t>:</a:t>
+            </a:r>
+            <a:r>
+              <a:rPr lang="en-US" dirty="0" smtClean="0">
+                <a:solidFill>
+                  <a:srgbClr val="800000"/>
+                </a:solidFill>
+              </a:rPr>
+              <a:t> </a:t>
+            </a:r>
+            <a:r>
+              <a:rPr lang="en-US" dirty="0" smtClean="0"/>
+              <a:t>Response to fluctuations in dynamic resource and availability of dynamic data </a:t>
+            </a:r>
+          </a:p>
+          <a:p>
+            <a:r>
+              <a:rPr lang="en-US" b="1" dirty="0" smtClean="0">
+                <a:solidFill>
+                  <a:srgbClr val="800000"/>
+                </a:solidFill>
+              </a:rPr>
+              <a:t>Simplicity:</a:t>
+            </a:r>
+            <a:r>
+              <a:rPr lang="en-US" dirty="0" smtClean="0">
+                <a:solidFill>
+                  <a:srgbClr val="800000"/>
+                </a:solidFill>
+              </a:rPr>
+              <a:t> </a:t>
+            </a:r>
+            <a:r>
+              <a:rPr lang="en-US" dirty="0" smtClean="0"/>
+              <a:t>Accommodate  above distributed concerns at different levels easily…</a:t>
+            </a:r>
+          </a:p>
+          <a:p>
+            <a:pPr>
+              <a:buNone/>
+            </a:pPr>
+            <a:r>
+              <a:rPr lang="en-US" dirty="0" smtClean="0">
+                <a:solidFill>
+                  <a:srgbClr val="800000"/>
+                </a:solidFill>
+              </a:rPr>
+              <a:t>     Challenge: How to develop DA effectively and efficiently with the above as first-class objectives?</a:t>
+            </a:r>
+          </a:p>
+          <a:p>
+            <a:endParaRPr lang="en-US" dirty="0" smtClean="0"/>
+          </a:p>
+        </p:txBody>
+      </p:sp>
+    </p:spTree>
+  </p:cSld>
+  <p:clrMapOvr>
+    <a:masterClrMapping/>
+  </p:clrMapOvr>
+  <p:transition/>
+  <p:timing>
+    <p:tnLst>
+      <p:par>
+        <p:cTn id="1" dur="indefinite" restart="never" nodeType="tmRoot"/>
+      </p:par>
+    </p:tnLst>
+  </p:timing>
+</p:sld>
+</file>
+
+<file path=ppt/slides/slide3.xml><?xml version="1.0" encoding="utf-8"?>
+<p:sld xmlns:a="http://schemas.openxmlformats.org/drawingml/2006/main" xmlns:r="http://schemas.openxmlformats.org/officeDocument/2006/relationships" xmlns:mc="http://schemas.openxmlformats.org/markup-compatibility/2006" xmlns:mv="urn:schemas-microsoft-com:mac:vml" xmlns:p="http://schemas.openxmlformats.org/presentationml/2006/main" mc:Ignorable="mv" mc:PreserveAttributes="mv:*">
+  <p:cSld>
+    <p:spTree>
+      <p:nvGrpSpPr>
+        <p:cNvPr id="1" name=""/>
+        <p:cNvGrpSpPr/>
+        <p:nvPr/>
+      </p:nvGrpSpPr>
+      <p:grpSpPr>
+        <a:xfrm>
+          <a:off x="0" y="0"/>
+          <a:ext cx="0" cy="0"/>
+          <a:chOff x="0" y="0"/>
+          <a:chExt cx="0" cy="0"/>
+        </a:xfrm>
+      </p:grpSpPr>
+      <p:sp>
+        <p:nvSpPr>
           <p:cNvPr id="2" name="Title 1"/>
           <p:cNvSpPr>
             <a:spLocks noGrp="1"/>
@@ -10963,27 +10923,18 @@
               <a:rPr lang="en-US" dirty="0" smtClean="0"/>
               <a:t>Replica-Exchange (RE) methods:</a:t>
             </a:r>
-            <a:endParaRPr lang="en-US" dirty="0" smtClean="0"/>
           </a:p>
           <a:p>
             <a:pPr lvl="1"/>
             <a:r>
               <a:rPr lang="en-US" dirty="0" smtClean="0"/>
-              <a:t>Represent </a:t>
-            </a:r>
-            <a:r>
-              <a:rPr lang="en-US" dirty="0" smtClean="0"/>
-              <a:t>a class of algorithms that involve a large number of loosely coupled ensembles. </a:t>
-            </a:r>
-          </a:p>
-          <a:p>
-            <a:r>
-              <a:rPr lang="en-US" dirty="0" smtClean="0"/>
-              <a:t>RE simulations are used  to understand a range of physical </a:t>
-            </a:r>
-            <a:r>
-              <a:rPr lang="en-US" dirty="0" smtClean="0"/>
-              <a:t>phenomena</a:t>
+              <a:t>Represent a class of algorithms that involve a large number of loosely coupled ensembles. </a:t>
+            </a:r>
+          </a:p>
+          <a:p>
+            <a:r>
+              <a:rPr lang="en-US" dirty="0" smtClean="0"/>
+              <a:t>RE simulations are used  to understand a range of physical phenomena</a:t>
             </a:r>
           </a:p>
           <a:p>
@@ -11070,184 +11021,6 @@
 </p:sld>
 </file>
 
-<file path=ppt/slides/slide3.xml><?xml version="1.0" encoding="utf-8"?>
-<p:sld xmlns:a="http://schemas.openxmlformats.org/drawingml/2006/main" xmlns:r="http://schemas.openxmlformats.org/officeDocument/2006/relationships" xmlns:mc="http://schemas.openxmlformats.org/markup-compatibility/2006" xmlns:mv="urn:schemas-microsoft-com:mac:vml" xmlns:p="http://schemas.openxmlformats.org/presentationml/2006/main" mc:Ignorable="mv" mc:PreserveAttributes="mv:*">
-  <p:cSld>
-    <p:spTree>
-      <p:nvGrpSpPr>
-        <p:cNvPr id="1" name=""/>
-        <p:cNvGrpSpPr/>
-        <p:nvPr/>
-      </p:nvGrpSpPr>
-      <p:grpSpPr>
-        <a:xfrm>
-          <a:off x="0" y="0"/>
-          <a:ext cx="0" cy="0"/>
-          <a:chOff x="0" y="0"/>
-          <a:chExt cx="0" cy="0"/>
-        </a:xfrm>
-      </p:grpSpPr>
-      <p:sp>
-        <p:nvSpPr>
-          <p:cNvPr id="2" name="Title 1"/>
-          <p:cNvSpPr>
-            <a:spLocks noGrp="1"/>
-          </p:cNvSpPr>
-          <p:nvPr>
-            <p:ph type="title"/>
-          </p:nvPr>
-        </p:nvSpPr>
-        <p:spPr/>
-        <p:txBody>
-          <a:bodyPr/>
-          <a:lstStyle/>
-          <a:p>
-            <a:r>
-              <a:rPr lang="en-US" dirty="0" smtClean="0"/>
-              <a:t>RE: Limitations</a:t>
-            </a:r>
-            <a:endParaRPr lang="en-US" dirty="0"/>
-          </a:p>
-        </p:txBody>
-      </p:sp>
-      <p:sp>
-        <p:nvSpPr>
-          <p:cNvPr id="3" name="Content Placeholder 2"/>
-          <p:cNvSpPr>
-            <a:spLocks noGrp="1"/>
-          </p:cNvSpPr>
-          <p:nvPr>
-            <p:ph idx="1"/>
-          </p:nvPr>
-        </p:nvSpPr>
-        <p:spPr/>
-        <p:txBody>
-          <a:bodyPr>
-            <a:normAutofit fontScale="92500" lnSpcReduction="20000"/>
-          </a:bodyPr>
-          <a:lstStyle/>
-          <a:p>
-            <a:r>
-              <a:rPr lang="en-US" dirty="0" smtClean="0"/>
-              <a:t>Simulations and Methodology have been tied to specific implementations and infrastructure</a:t>
-            </a:r>
-          </a:p>
-          <a:p>
-            <a:pPr lvl="1"/>
-            <a:r>
-              <a:rPr lang="en-US" dirty="0" smtClean="0"/>
-              <a:t>Break </a:t>
-            </a:r>
-            <a:r>
-              <a:rPr lang="en-US" dirty="0" smtClean="0"/>
-              <a:t>the coupling between the development and the underlying </a:t>
-            </a:r>
-            <a:r>
-              <a:rPr lang="en-US" dirty="0" smtClean="0"/>
-              <a:t>infrastructure:</a:t>
-            </a:r>
-          </a:p>
-          <a:p>
-            <a:pPr lvl="2"/>
-            <a:r>
-              <a:rPr lang="en-US" dirty="0" smtClean="0"/>
-              <a:t>Interoperable:  Usage across multiple infrastructure</a:t>
-            </a:r>
-          </a:p>
-          <a:p>
-            <a:pPr lvl="2"/>
-            <a:r>
-              <a:rPr lang="en-US" dirty="0" smtClean="0"/>
-              <a:t>Extensible -- to </a:t>
-            </a:r>
-            <a:r>
-              <a:rPr lang="en-US" dirty="0" smtClean="0"/>
-              <a:t>new methods of communication and </a:t>
-            </a:r>
-            <a:r>
-              <a:rPr lang="en-US" dirty="0" smtClean="0"/>
-              <a:t>coordination </a:t>
-            </a:r>
-          </a:p>
-          <a:p>
-            <a:pPr lvl="2"/>
-            <a:r>
-              <a:rPr lang="en-US" dirty="0" smtClean="0"/>
-              <a:t>Scalable</a:t>
-            </a:r>
-          </a:p>
-          <a:p>
-            <a:pPr lvl="1"/>
-            <a:r>
-              <a:rPr lang="en-US" dirty="0" smtClean="0"/>
-              <a:t>Whither New Distributed Algorithms? </a:t>
-            </a:r>
-          </a:p>
-          <a:p>
-            <a:pPr lvl="2"/>
-            <a:r>
-              <a:rPr lang="en-US" dirty="0" smtClean="0"/>
-              <a:t>Infrastructure doesn’t support implementation/testing, hence no attempts at algorithmic innovation; hence no pressure on infrastructure!</a:t>
-            </a:r>
-            <a:endParaRPr lang="en-US" dirty="0" smtClean="0"/>
-          </a:p>
-          <a:p>
-            <a:r>
-              <a:rPr lang="en-US" dirty="0" smtClean="0"/>
-              <a:t>Challenges at Multiple-Levels</a:t>
-            </a:r>
-          </a:p>
-          <a:p>
-            <a:pPr lvl="1"/>
-            <a:r>
-              <a:rPr lang="en-US" dirty="0" smtClean="0"/>
-              <a:t>Heterogeneity of environments –  coordination and execution</a:t>
-            </a:r>
-            <a:endParaRPr lang="en-US" dirty="0" smtClean="0"/>
-          </a:p>
-          <a:p>
-            <a:pPr lvl="1"/>
-            <a:r>
-              <a:rPr lang="en-US" dirty="0" smtClean="0"/>
-              <a:t>Distributed Coordination Problem: Developing </a:t>
-            </a:r>
-            <a:r>
-              <a:rPr lang="en-US" dirty="0" smtClean="0"/>
-              <a:t>applications that are able to orchestrate heterogeneous resources</a:t>
-            </a:r>
-            <a:r>
-              <a:rPr lang="en-US" dirty="0" smtClean="0"/>
-              <a:t> RE </a:t>
-            </a:r>
-            <a:r>
-              <a:rPr lang="en-US" dirty="0" smtClean="0"/>
-              <a:t>simulations involve a large number of loosely coupled </a:t>
-            </a:r>
-            <a:r>
-              <a:rPr lang="en-US" dirty="0" smtClean="0"/>
-              <a:t>ensembles</a:t>
-            </a:r>
-          </a:p>
-          <a:p>
-            <a:endParaRPr lang="en-US" dirty="0" smtClean="0"/>
-          </a:p>
-        </p:txBody>
-      </p:sp>
-    </p:spTree>
-  </p:cSld>
-  <p:clrMapOvr>
-    <a:masterClrMapping/>
-  </p:clrMapOvr>
-  <p:timing>
-    <p:tnLst>
-      <p:par>
-        <p:cTn id="1" dur="indefinite" restart="never" nodeType="tmRoot"/>
-      </p:par>
-    </p:tnLst>
-  </p:timing>
-</p:sld>
-</file>
-
 <file path=ppt/slides/slide4.xml><?xml version="1.0" encoding="utf-8"?>
 <p:sld xmlns:a="http://schemas.openxmlformats.org/drawingml/2006/main" xmlns:r="http://schemas.openxmlformats.org/officeDocument/2006/relationships" xmlns:mc="http://schemas.openxmlformats.org/markup-compatibility/2006" xmlns:mv="urn:schemas-microsoft-com:mac:vml" xmlns:p="http://schemas.openxmlformats.org/presentationml/2006/main" mc:Ignorable="mv" mc:PreserveAttributes="mv:*">
   <p:cSld>
@@ -11277,163 +11050,103 @@
         </p:nvSpPr>
         <p:spPr/>
         <p:txBody>
+          <a:bodyPr/>
+          <a:lstStyle/>
+          <a:p>
+            <a:r>
+              <a:rPr lang="en-US" dirty="0" smtClean="0"/>
+              <a:t>RE: Limitations</a:t>
+            </a:r>
+            <a:endParaRPr lang="en-US" dirty="0"/>
+          </a:p>
+        </p:txBody>
+      </p:sp>
+      <p:sp>
+        <p:nvSpPr>
+          <p:cNvPr id="3" name="Content Placeholder 2"/>
+          <p:cNvSpPr>
+            <a:spLocks noGrp="1"/>
+          </p:cNvSpPr>
+          <p:nvPr>
+            <p:ph idx="1"/>
+          </p:nvPr>
+        </p:nvSpPr>
+        <p:spPr/>
+        <p:txBody>
           <a:bodyPr>
-            <a:normAutofit/>
+            <a:normAutofit fontScale="92500" lnSpcReduction="20000"/>
           </a:bodyPr>
           <a:lstStyle/>
           <a:p>
             <a:r>
               <a:rPr lang="en-US" dirty="0" smtClean="0"/>
-              <a:t>Overcoming RE </a:t>
-            </a:r>
-            <a:r>
-              <a:rPr lang="en-US" dirty="0" smtClean="0"/>
-              <a:t>Limitations</a:t>
-            </a:r>
-            <a:endParaRPr lang="en-US" dirty="0"/>
-          </a:p>
-        </p:txBody>
-      </p:sp>
-      <p:sp>
-        <p:nvSpPr>
-          <p:cNvPr id="3" name="Content Placeholder 2"/>
-          <p:cNvSpPr>
-            <a:spLocks noGrp="1"/>
-          </p:cNvSpPr>
-          <p:nvPr>
-            <p:ph idx="1"/>
-          </p:nvPr>
-        </p:nvSpPr>
-        <p:spPr/>
-        <p:txBody>
-          <a:bodyPr>
-            <a:normAutofit/>
-          </a:bodyPr>
-          <a:lstStyle/>
-          <a:p>
-            <a:r>
-              <a:rPr lang="en-US" dirty="0" smtClean="0"/>
-              <a:t>Using abstractions for distributed computing, implement a </a:t>
-            </a:r>
-            <a:r>
-              <a:rPr lang="en-US" dirty="0" smtClean="0"/>
-              <a:t>flexible, extensible and scalable</a:t>
-            </a:r>
-            <a:r>
-              <a:rPr lang="en-US" dirty="0" smtClean="0"/>
-              <a:t> </a:t>
-            </a:r>
-            <a:r>
-              <a:rPr lang="en-US" dirty="0" smtClean="0"/>
-              <a:t>RE </a:t>
-            </a:r>
-            <a:r>
-              <a:rPr lang="en-US" dirty="0" err="1" smtClean="0"/>
-              <a:t>capabilty</a:t>
-            </a:r>
+              <a:t>Simulations and Methodology have been tied to specific implementations and infrastructure</a:t>
+            </a:r>
+          </a:p>
+          <a:p>
+            <a:pPr lvl="1"/>
+            <a:r>
+              <a:rPr lang="en-US" dirty="0" smtClean="0"/>
+              <a:t>Break the coupling between the development and the underlying infrastructure:</a:t>
+            </a:r>
+          </a:p>
+          <a:p>
+            <a:pPr lvl="2"/>
+            <a:r>
+              <a:rPr lang="en-US" dirty="0" smtClean="0"/>
+              <a:t>Interoperable:  Usage across multiple infrastructure</a:t>
+            </a:r>
+          </a:p>
+          <a:p>
+            <a:pPr lvl="2"/>
+            <a:r>
+              <a:rPr lang="en-US" dirty="0" smtClean="0"/>
+              <a:t>Extensible -- to new methods of communication and coordination </a:t>
+            </a:r>
+          </a:p>
+          <a:p>
+            <a:pPr lvl="2"/>
+            <a:r>
+              <a:rPr lang="en-US" dirty="0" smtClean="0"/>
+              <a:t>Scalable</a:t>
+            </a:r>
+          </a:p>
+          <a:p>
+            <a:pPr lvl="1"/>
+            <a:r>
+              <a:rPr lang="en-US" dirty="0" smtClean="0"/>
+              <a:t>Whither New Distributed Algorithms? </a:t>
+            </a:r>
+          </a:p>
+          <a:p>
+            <a:pPr lvl="2"/>
+            <a:r>
+              <a:rPr lang="en-US" dirty="0" smtClean="0"/>
+              <a:t>Infrastructure doesn’t support implementation/testing, hence no attempts at algorithmic innovation; hence no pressure on infrastructure!</a:t>
+            </a:r>
+          </a:p>
+          <a:p>
+            <a:r>
+              <a:rPr lang="en-US" dirty="0" smtClean="0"/>
+              <a:t>Challenges at Multiple-Levels</a:t>
+            </a:r>
+          </a:p>
+          <a:p>
+            <a:pPr lvl="1"/>
+            <a:r>
+              <a:rPr lang="en-US" dirty="0" smtClean="0"/>
+              <a:t>Heterogeneity of environments –  coordination and execution</a:t>
+            </a:r>
+          </a:p>
+          <a:p>
+            <a:pPr lvl="1"/>
+            <a:r>
+              <a:rPr lang="en-US" dirty="0" smtClean="0"/>
+              <a:t>Distributed Coordination Problem: Developing applications that are able to orchestrate heterogeneous resources RE simulations involve a large number of loosely coupled ensembles</a:t>
+            </a:r>
+          </a:p>
+          <a:p>
             <a:endParaRPr lang="en-US" dirty="0" smtClean="0"/>
-          </a:p>
-          <a:p>
-            <a:pPr lvl="1"/>
-            <a:r>
-              <a:rPr lang="en-US" dirty="0" err="1" smtClean="0"/>
-              <a:t>Utilises</a:t>
-            </a:r>
-            <a:r>
-              <a:rPr lang="en-US" dirty="0" smtClean="0"/>
-              <a:t> </a:t>
-            </a:r>
-            <a:r>
-              <a:rPr lang="en-US" dirty="0" smtClean="0"/>
-              <a:t>a range of infrastructure concurrently</a:t>
-            </a:r>
-            <a:endParaRPr lang="en-US" dirty="0" smtClean="0"/>
-          </a:p>
-          <a:p>
-            <a:pPr lvl="1"/>
-            <a:r>
-              <a:rPr lang="en-US" dirty="0" smtClean="0"/>
-              <a:t>Supports </a:t>
-            </a:r>
-            <a:r>
-              <a:rPr lang="en-US" dirty="0" smtClean="0"/>
-              <a:t>different replica </a:t>
-            </a:r>
-            <a:r>
-              <a:rPr lang="en-US" dirty="0" smtClean="0"/>
-              <a:t>pairing/exchanging mechanisms:</a:t>
-            </a:r>
-          </a:p>
-          <a:p>
-            <a:pPr lvl="2"/>
-            <a:r>
-              <a:rPr lang="en-US" dirty="0" smtClean="0"/>
-              <a:t> Synchronous </a:t>
-            </a:r>
-            <a:r>
-              <a:rPr lang="en-US" dirty="0" smtClean="0"/>
-              <a:t>versus </a:t>
-            </a:r>
-            <a:r>
-              <a:rPr lang="en-US" dirty="0" smtClean="0"/>
-              <a:t>asynchronous </a:t>
-            </a:r>
-            <a:r>
-              <a:rPr lang="en-US" dirty="0" smtClean="0"/>
-              <a:t>and thereby different variants of the RE </a:t>
-            </a:r>
-            <a:r>
-              <a:rPr lang="en-US" dirty="0" smtClean="0"/>
-              <a:t>algorithm</a:t>
-            </a:r>
-            <a:endParaRPr lang="en-US" dirty="0" smtClean="0"/>
-          </a:p>
-          <a:p>
-            <a:pPr lvl="2"/>
-            <a:r>
-              <a:rPr lang="en-US" dirty="0" smtClean="0"/>
-              <a:t>Supports </a:t>
-            </a:r>
-            <a:r>
-              <a:rPr lang="en-US" dirty="0" smtClean="0"/>
-              <a:t>different coordination </a:t>
-            </a:r>
-            <a:r>
-              <a:rPr lang="en-US" dirty="0" smtClean="0"/>
-              <a:t>mechanisms</a:t>
-            </a:r>
-          </a:p>
-          <a:p>
-            <a:r>
-              <a:rPr lang="en-US" dirty="0" smtClean="0"/>
-              <a:t>Implement (</a:t>
-            </a:r>
-            <a:r>
-              <a:rPr lang="en-US" dirty="0" err="1" smtClean="0"/>
-              <a:t>i</a:t>
-            </a:r>
-            <a:r>
-              <a:rPr lang="en-US" dirty="0" smtClean="0"/>
-              <a:t>) Synchronous Exchange (ii) Two type of Asynchronous Exchange types</a:t>
-            </a:r>
-          </a:p>
-          <a:p>
-            <a:pPr lvl="1"/>
-            <a:r>
-              <a:rPr lang="en-US" dirty="0" smtClean="0"/>
-              <a:t>Performance Advantages arise</a:t>
-            </a:r>
-          </a:p>
-          <a:p>
-            <a:pPr lvl="1"/>
-            <a:r>
-              <a:rPr lang="en-US" dirty="0" smtClean="0"/>
-              <a:t>Logical and physically distributed applications</a:t>
-            </a:r>
-          </a:p>
-          <a:p>
-            <a:pPr lvl="1"/>
-            <a:endParaRPr lang="en-US" dirty="0"/>
           </a:p>
         </p:txBody>
       </p:sp>
@@ -11481,218 +11194,104 @@
         </p:nvSpPr>
         <p:spPr/>
         <p:txBody>
-          <a:bodyPr/>
-          <a:lstStyle/>
-          <a:p>
-            <a:r>
-              <a:rPr lang="en-US" dirty="0" smtClean="0"/>
-              <a:t>Synchronous (Traditional) RE</a:t>
-            </a:r>
-            <a:endParaRPr lang="en-US" dirty="0"/>
-          </a:p>
-        </p:txBody>
-      </p:sp>
-      <p:sp>
-        <p:nvSpPr>
-          <p:cNvPr id="3" name="Content Placeholder 2"/>
-          <p:cNvSpPr>
-            <a:spLocks noGrp="1"/>
-          </p:cNvSpPr>
-          <p:nvPr>
-            <p:ph idx="1"/>
-          </p:nvPr>
-        </p:nvSpPr>
-        <p:spPr/>
-        <p:txBody>
           <a:bodyPr>
-            <a:normAutofit fontScale="92500" lnSpcReduction="20000"/>
+            <a:normAutofit/>
           </a:bodyPr>
           <a:lstStyle/>
           <a:p>
             <a:r>
               <a:rPr lang="en-US" dirty="0" smtClean="0"/>
-              <a:t>For the traditional implementation of </a:t>
-            </a:r>
-            <a:r>
-              <a:rPr lang="en-US" dirty="0" smtClean="0"/>
-              <a:t>RE and number </a:t>
-            </a:r>
-            <a:r>
-              <a:rPr lang="en-US" dirty="0" smtClean="0"/>
-              <a:t>of replicas (N),</a:t>
-            </a:r>
-            <a:r>
-              <a:rPr lang="en-US" dirty="0" smtClean="0"/>
-              <a:t>  create a </a:t>
-            </a:r>
-            <a:r>
-              <a:rPr lang="en-US" b="1" dirty="0" smtClean="0"/>
-              <a:t>fixed set of  </a:t>
-            </a:r>
-            <a:r>
-              <a:rPr lang="en-US" b="1" dirty="0" smtClean="0"/>
-              <a:t>N/2</a:t>
-            </a:r>
-            <a:r>
-              <a:rPr lang="en-US" dirty="0" smtClean="0"/>
-              <a:t> pairs of replicas</a:t>
-            </a:r>
-            <a:r>
-              <a:rPr lang="en-US" dirty="0" smtClean="0"/>
-              <a:t>.</a:t>
-            </a:r>
-          </a:p>
-          <a:p>
-            <a:r>
-              <a:rPr lang="en-US" dirty="0" smtClean="0"/>
-              <a:t>When </a:t>
-            </a:r>
-            <a:r>
-              <a:rPr lang="en-US" i="1" dirty="0" smtClean="0"/>
-              <a:t>all</a:t>
-            </a:r>
-            <a:r>
-              <a:rPr lang="en-US" dirty="0" smtClean="0"/>
-              <a:t> the replicas reach a pre-determined state, the exchanges are attempted (the exchange step).</a:t>
-            </a:r>
-            <a:r>
-              <a:rPr lang="en-US" dirty="0" smtClean="0"/>
-              <a:t> </a:t>
+              <a:t>Overcoming RE Limitations</a:t>
+            </a:r>
+            <a:endParaRPr lang="en-US" dirty="0"/>
+          </a:p>
+        </p:txBody>
+      </p:sp>
+      <p:sp>
+        <p:nvSpPr>
+          <p:cNvPr id="3" name="Content Placeholder 2"/>
+          <p:cNvSpPr>
+            <a:spLocks noGrp="1"/>
+          </p:cNvSpPr>
+          <p:nvPr>
+            <p:ph idx="1"/>
+          </p:nvPr>
+        </p:nvSpPr>
+        <p:spPr/>
+        <p:txBody>
+          <a:bodyPr>
+            <a:normAutofit/>
+          </a:bodyPr>
+          <a:lstStyle/>
+          <a:p>
+            <a:r>
+              <a:rPr lang="en-US" dirty="0" smtClean="0"/>
+              <a:t>Using abstractions for distributed computing, implement a flexible, extensible and scalable RE capability</a:t>
             </a:r>
           </a:p>
           <a:p>
             <a:pPr lvl="1"/>
             <a:r>
-              <a:rPr lang="en-US" dirty="0" smtClean="0"/>
-              <a:t>If yes, </a:t>
-            </a:r>
-            <a:r>
-              <a:rPr lang="en-US" dirty="0" smtClean="0"/>
-              <a:t>(i.e. </a:t>
-            </a:r>
-            <a:r>
-              <a:rPr lang="en-US" dirty="0" smtClean="0"/>
-              <a:t>exchange </a:t>
-            </a:r>
-            <a:r>
-              <a:rPr lang="en-US" dirty="0" smtClean="0"/>
-              <a:t>is </a:t>
-            </a:r>
-            <a:r>
-              <a:rPr lang="en-US" dirty="0" smtClean="0"/>
-              <a:t>successful), parameters </a:t>
-            </a:r>
-            <a:r>
-              <a:rPr lang="en-US" dirty="0" smtClean="0"/>
-              <a:t>such as the temperature are swapped and replicas are re-</a:t>
-            </a:r>
-            <a:r>
-              <a:rPr lang="en-US" dirty="0" smtClean="0"/>
-              <a:t>started</a:t>
+              <a:rPr lang="en-US" dirty="0" err="1" smtClean="0"/>
+              <a:t>Utilises</a:t>
+            </a:r>
+            <a:r>
+              <a:rPr lang="en-US" dirty="0" smtClean="0"/>
+              <a:t> a range of infrastructure concurrently</a:t>
             </a:r>
           </a:p>
           <a:p>
             <a:pPr lvl="1"/>
             <a:r>
               <a:rPr lang="en-US" dirty="0" smtClean="0"/>
-              <a:t>If not, continue till next exchange</a:t>
-            </a:r>
-          </a:p>
-          <a:p>
-            <a:r>
-              <a:rPr lang="en-US" dirty="0" smtClean="0"/>
-              <a:t>Limitations: </a:t>
+              <a:t>Supports different replica pairing/exchanging mechanisms:</a:t>
+            </a:r>
+          </a:p>
+          <a:p>
+            <a:pPr lvl="2"/>
+            <a:r>
+              <a:rPr lang="en-US" dirty="0" smtClean="0"/>
+              <a:t>Synchronous versus asynchronous and thereby different variants of the RE algorithm</a:t>
+            </a:r>
+          </a:p>
+          <a:p>
+            <a:pPr lvl="2"/>
+            <a:r>
+              <a:rPr lang="en-US" dirty="0" smtClean="0"/>
+              <a:t>Supports different coordination mechanisms</a:t>
+            </a:r>
+          </a:p>
+          <a:p>
+            <a:r>
+              <a:rPr lang="en-US" dirty="0" smtClean="0"/>
+              <a:t>Implement (</a:t>
+            </a:r>
+            <a:r>
+              <a:rPr lang="en-US" dirty="0" err="1" smtClean="0"/>
+              <a:t>i</a:t>
+            </a:r>
+            <a:r>
+              <a:rPr lang="en-US" dirty="0" smtClean="0"/>
+              <a:t>) Synchronous Exchange (ii) Two type of Asynchronous Exchange types</a:t>
             </a:r>
           </a:p>
           <a:p>
             <a:pPr lvl="1"/>
             <a:r>
               <a:rPr lang="en-US" dirty="0" smtClean="0"/>
-              <a:t>Exchanges </a:t>
-            </a:r>
-            <a:r>
-              <a:rPr lang="en-US" dirty="0" smtClean="0"/>
-              <a:t>can only take place between</a:t>
-            </a:r>
-            <a:r>
-              <a:rPr lang="en-US" dirty="0" smtClean="0"/>
-              <a:t> fixed </a:t>
-            </a:r>
-            <a:r>
-              <a:rPr lang="en-US" dirty="0" smtClean="0"/>
-              <a:t>paired </a:t>
-            </a:r>
-            <a:r>
-              <a:rPr lang="en-US" dirty="0" smtClean="0"/>
-              <a:t>replicas;  inhibits </a:t>
-            </a:r>
-            <a:r>
-              <a:rPr lang="en-US" dirty="0" smtClean="0"/>
-              <a:t>exchanges between replicas with non-nearest temperatures</a:t>
-            </a:r>
-            <a:r>
-              <a:rPr lang="en-US" dirty="0" smtClean="0"/>
-              <a:t>.</a:t>
+              <a:t>Performance Advantages arise</a:t>
             </a:r>
           </a:p>
           <a:p>
             <a:pPr lvl="1"/>
             <a:r>
               <a:rPr lang="en-US" dirty="0" smtClean="0"/>
-              <a:t>Synchronized exchange </a:t>
-            </a:r>
-            <a:r>
-              <a:rPr lang="en-US" dirty="0" smtClean="0"/>
-              <a:t>steps: Inefficient for heterogeneous </a:t>
-            </a:r>
-            <a:r>
-              <a:rPr lang="en-US" dirty="0" smtClean="0"/>
-              <a:t>infrastructure </a:t>
-            </a:r>
-            <a:r>
-              <a:rPr lang="en-US" dirty="0" smtClean="0"/>
-              <a:t>(i.e., different </a:t>
-            </a:r>
-            <a:r>
-              <a:rPr lang="en-US" dirty="0" smtClean="0"/>
-              <a:t>running</a:t>
-            </a:r>
-            <a:r>
-              <a:rPr lang="en-US" dirty="0" smtClean="0"/>
-              <a:t> times </a:t>
-            </a:r>
-            <a:r>
-              <a:rPr lang="en-US" dirty="0" smtClean="0"/>
-              <a:t>for each replica). </a:t>
-            </a:r>
-            <a:r>
-              <a:rPr lang="en-US" dirty="0" smtClean="0"/>
-              <a:t> </a:t>
+              <a:t>Logical and physically distributed applications</a:t>
             </a:r>
           </a:p>
           <a:p>
             <a:pPr lvl="1"/>
-            <a:r>
-              <a:rPr lang="en-US" dirty="0" smtClean="0"/>
-              <a:t>Synchronized </a:t>
-            </a:r>
-            <a:r>
-              <a:rPr lang="en-US" dirty="0" smtClean="0"/>
-              <a:t>exchange step means</a:t>
-            </a:r>
-            <a:r>
-              <a:rPr lang="en-US" dirty="0" smtClean="0"/>
-              <a:t> concurrent (</a:t>
-            </a:r>
-            <a:r>
-              <a:rPr lang="en-US" dirty="0" err="1" smtClean="0"/>
-              <a:t>bursty</a:t>
-            </a:r>
-            <a:r>
-              <a:rPr lang="en-US" dirty="0" smtClean="0"/>
-              <a:t>) communication and coordination; does not scale for large N</a:t>
-            </a:r>
-            <a:endParaRPr lang="en-US" dirty="0" smtClean="0"/>
+            <a:endParaRPr lang="en-US" dirty="0"/>
           </a:p>
         </p:txBody>
       </p:sp>
@@ -11745,7 +11344,7 @@
           <a:p>
             <a:r>
               <a:rPr lang="en-US" dirty="0" smtClean="0"/>
-              <a:t>Asynchronous RE</a:t>
+              <a:t>Synchronous (Traditional) RE</a:t>
             </a:r>
             <a:endParaRPr lang="en-US" dirty="0"/>
           </a:p>
@@ -11764,167 +11363,85 @@
         <p:spPr/>
         <p:txBody>
           <a:bodyPr>
-            <a:normAutofit fontScale="92500" lnSpcReduction="10000"/>
+            <a:normAutofit fontScale="92500" lnSpcReduction="20000"/>
           </a:bodyPr>
           <a:lstStyle/>
           <a:p>
             <a:r>
               <a:rPr lang="en-US" dirty="0" smtClean="0"/>
-              <a:t>Implement </a:t>
-            </a:r>
-            <a:r>
-              <a:rPr lang="en-US" dirty="0" smtClean="0"/>
-              <a:t>Asynchronous version of the RE </a:t>
-            </a:r>
-            <a:r>
-              <a:rPr lang="en-US" dirty="0" smtClean="0"/>
-              <a:t>algorithm to overcome the limitations</a:t>
-            </a:r>
-            <a:r>
-              <a:rPr lang="en-US" dirty="0" smtClean="0"/>
-              <a:t>.</a:t>
+              <a:t>For the traditional implementation of RE and number of replicas (N),  create a </a:t>
+            </a:r>
+            <a:r>
+              <a:rPr lang="en-US" b="1" dirty="0" smtClean="0"/>
+              <a:t>fixed set of  N/2</a:t>
+            </a:r>
+            <a:r>
+              <a:rPr lang="en-US" dirty="0" smtClean="0"/>
+              <a:t> pairs of replicas.</a:t>
+            </a:r>
+          </a:p>
+          <a:p>
+            <a:r>
+              <a:rPr lang="en-US" dirty="0" smtClean="0"/>
+              <a:t>When </a:t>
+            </a:r>
+            <a:r>
+              <a:rPr lang="en-US" i="1" dirty="0" smtClean="0"/>
+              <a:t>all</a:t>
+            </a:r>
+            <a:r>
+              <a:rPr lang="en-US" dirty="0" smtClean="0"/>
+              <a:t> the replicas reach a pre-determined state, the exchanges are attempted (the exchange step). </a:t>
             </a:r>
           </a:p>
           <a:p>
             <a:pPr lvl="1"/>
             <a:r>
               <a:rPr lang="en-US" dirty="0" smtClean="0"/>
-              <a:t>Asynchronous </a:t>
-            </a:r>
-            <a:r>
-              <a:rPr lang="en-US" dirty="0" smtClean="0"/>
-              <a:t>RE, replicas can perform exchanges with any other available replica, whenever possible – instead of  waiting for all the replicas to finish for a synchronized exchange </a:t>
-            </a:r>
-            <a:r>
-              <a:rPr lang="en-US" dirty="0" smtClean="0"/>
-              <a:t>step</a:t>
+              <a:t>If yes, (i.e. exchange is successful), parameters such as the temperature are swapped and replicas are re-started</a:t>
             </a:r>
           </a:p>
           <a:p>
             <a:pPr lvl="1"/>
             <a:r>
               <a:rPr lang="en-US" dirty="0" smtClean="0"/>
-              <a:t>This </a:t>
-            </a:r>
-            <a:r>
-              <a:rPr lang="en-US" dirty="0" smtClean="0"/>
-              <a:t>does not limit exchanges to fixed pairs of replicas. Any two replicas can attempt to exchange</a:t>
-            </a:r>
-            <a:r>
-              <a:rPr lang="en-US" dirty="0" smtClean="0"/>
-              <a:t>.</a:t>
-            </a:r>
-          </a:p>
-          <a:p>
-            <a:r>
-              <a:rPr lang="en-US" dirty="0" smtClean="0"/>
-              <a:t>Experiment with </a:t>
-            </a:r>
-            <a:r>
-              <a:rPr lang="en-US" dirty="0" smtClean="0"/>
-              <a:t>two different</a:t>
-            </a:r>
-            <a:r>
-              <a:rPr lang="en-US" dirty="0" smtClean="0"/>
-              <a:t> </a:t>
+              <a:t>If not, continue till next exchange</a:t>
+            </a:r>
+          </a:p>
+          <a:p>
+            <a:r>
+              <a:rPr lang="en-US" dirty="0" smtClean="0"/>
+              <a:t>Limitations: </a:t>
+            </a:r>
+          </a:p>
+          <a:p>
+            <a:pPr lvl="1"/>
+            <a:r>
+              <a:rPr lang="en-US" dirty="0" smtClean="0"/>
+              <a:t>Exchanges can only take place between fixed paired replicas;  inhibits exchanges between replicas with non-nearest temperatures.</a:t>
+            </a:r>
+          </a:p>
+          <a:p>
+            <a:pPr lvl="1"/>
+            <a:r>
+              <a:rPr lang="en-US" dirty="0" smtClean="0"/>
+              <a:t>Synchronized exchange steps: Inefficient for heterogeneous infrastructure (i.e., different running times for each replica).  </a:t>
+            </a:r>
+          </a:p>
+          <a:p>
+            <a:pPr lvl="1"/>
+            <a:r>
+              <a:rPr lang="en-US" dirty="0" smtClean="0"/>
+              <a:t>Synchronized exchange step means concurrent (</a:t>
             </a:r>
             <a:r>
               <a:rPr lang="en-US" dirty="0" err="1" smtClean="0"/>
-              <a:t>async</a:t>
-            </a:r>
-            <a:r>
-              <a:rPr lang="en-US" dirty="0" smtClean="0"/>
-              <a:t> implementations</a:t>
-            </a:r>
-            <a:r>
-              <a:rPr lang="en-US" dirty="0" smtClean="0"/>
-              <a:t>:</a:t>
-            </a:r>
-          </a:p>
-          <a:p>
-            <a:pPr lvl="1"/>
-            <a:r>
-              <a:rPr lang="en-US" dirty="0" smtClean="0"/>
-              <a:t>Centralized point of </a:t>
-            </a:r>
-            <a:r>
-              <a:rPr lang="en-US" dirty="0" smtClean="0"/>
-              <a:t>decision making &amp; </a:t>
-            </a:r>
-            <a:r>
-              <a:rPr lang="en-US" dirty="0" err="1" smtClean="0"/>
-              <a:t>coordination(cent</a:t>
-            </a:r>
-            <a:r>
-              <a:rPr lang="en-US" dirty="0" smtClean="0"/>
-              <a:t>)</a:t>
-            </a:r>
-          </a:p>
-          <a:p>
-            <a:pPr lvl="2"/>
-            <a:r>
-              <a:rPr lang="en-US" dirty="0" smtClean="0"/>
-              <a:t>A </a:t>
-            </a:r>
-            <a:r>
-              <a:rPr lang="en-US" dirty="0" smtClean="0"/>
-              <a:t>master co-ordinates and manages all the replicas and </a:t>
-            </a:r>
-            <a:r>
-              <a:rPr lang="en-US" dirty="0" smtClean="0"/>
-              <a:t>exchanges [Classical M-W Paradigm]</a:t>
-            </a:r>
-            <a:endParaRPr lang="en-US" dirty="0" smtClean="0"/>
-          </a:p>
-          <a:p>
-            <a:pPr lvl="1"/>
-            <a:r>
-              <a:rPr lang="en-US" dirty="0" smtClean="0"/>
-              <a:t>Decentralized coordination (</a:t>
-            </a:r>
-            <a:r>
-              <a:rPr lang="en-US" dirty="0" smtClean="0"/>
-              <a:t>De-cent)</a:t>
-            </a:r>
-          </a:p>
-          <a:p>
-            <a:pPr lvl="2"/>
-            <a:r>
-              <a:rPr lang="en-US" dirty="0" smtClean="0"/>
-              <a:t>Each </a:t>
-            </a:r>
-            <a:r>
-              <a:rPr lang="en-US" dirty="0" smtClean="0"/>
-              <a:t>replica is handled </a:t>
-            </a:r>
-            <a:r>
-              <a:rPr lang="en-US" dirty="0" smtClean="0"/>
-              <a:t>independently [akin to P2P..w/ M]</a:t>
-            </a:r>
-          </a:p>
-          <a:p>
-            <a:pPr lvl="2"/>
-            <a:r>
-              <a:rPr lang="en-US" dirty="0" smtClean="0"/>
-              <a:t>Does this prevent central </a:t>
-            </a:r>
-            <a:r>
-              <a:rPr lang="en-US" dirty="0" smtClean="0"/>
-              <a:t>manager/master from becoming a </a:t>
-            </a:r>
-            <a:r>
-              <a:rPr lang="en-US" dirty="0" smtClean="0"/>
-              <a:t>bottleneck,  </a:t>
-            </a:r>
-            <a:r>
-              <a:rPr lang="en-US" dirty="0" smtClean="0"/>
-              <a:t>with large</a:t>
-            </a:r>
-            <a:r>
-              <a:rPr lang="en-US" dirty="0" smtClean="0"/>
-              <a:t> N?</a:t>
-            </a:r>
-            <a:endParaRPr lang="en-US" dirty="0"/>
+              <a:t>bursty</a:t>
+            </a:r>
+            <a:r>
+              <a:rPr lang="en-US" dirty="0" smtClean="0"/>
+              <a:t>) communication and coordination; does not scale for large N</a:t>
+            </a:r>
           </a:p>
         </p:txBody>
       </p:sp>
@@ -11944,6 +11461,157 @@
 </file>
 
 <file path=ppt/slides/slide7.xml><?xml version="1.0" encoding="utf-8"?>
+<p:sld xmlns:a="http://schemas.openxmlformats.org/drawingml/2006/main" xmlns:r="http://schemas.openxmlformats.org/officeDocument/2006/relationships" xmlns:mc="http://schemas.openxmlformats.org/markup-compatibility/2006" xmlns:mv="urn:schemas-microsoft-com:mac:vml" xmlns:p="http://schemas.openxmlformats.org/presentationml/2006/main" mc:Ignorable="mv" mc:PreserveAttributes="mv:*">
+  <p:cSld>
+    <p:spTree>
+      <p:nvGrpSpPr>
+        <p:cNvPr id="1" name=""/>
+        <p:cNvGrpSpPr/>
+        <p:nvPr/>
+      </p:nvGrpSpPr>
+      <p:grpSpPr>
+        <a:xfrm>
+          <a:off x="0" y="0"/>
+          <a:ext cx="0" cy="0"/>
+          <a:chOff x="0" y="0"/>
+          <a:chExt cx="0" cy="0"/>
+        </a:xfrm>
+      </p:grpSpPr>
+      <p:sp>
+        <p:nvSpPr>
+          <p:cNvPr id="2" name="Title 1"/>
+          <p:cNvSpPr>
+            <a:spLocks noGrp="1"/>
+          </p:cNvSpPr>
+          <p:nvPr>
+            <p:ph type="title"/>
+          </p:nvPr>
+        </p:nvSpPr>
+        <p:spPr/>
+        <p:txBody>
+          <a:bodyPr/>
+          <a:lstStyle/>
+          <a:p>
+            <a:r>
+              <a:rPr lang="en-US" dirty="0" smtClean="0"/>
+              <a:t>Asynchronous RE</a:t>
+            </a:r>
+            <a:endParaRPr lang="en-US" dirty="0"/>
+          </a:p>
+        </p:txBody>
+      </p:sp>
+      <p:sp>
+        <p:nvSpPr>
+          <p:cNvPr id="3" name="Content Placeholder 2"/>
+          <p:cNvSpPr>
+            <a:spLocks noGrp="1"/>
+          </p:cNvSpPr>
+          <p:nvPr>
+            <p:ph idx="1"/>
+          </p:nvPr>
+        </p:nvSpPr>
+        <p:spPr/>
+        <p:txBody>
+          <a:bodyPr>
+            <a:normAutofit fontScale="92500" lnSpcReduction="10000"/>
+          </a:bodyPr>
+          <a:lstStyle/>
+          <a:p>
+            <a:r>
+              <a:rPr lang="en-US" dirty="0" smtClean="0"/>
+              <a:t>Implement Asynchronous version of the RE algorithm to overcome the limitations.</a:t>
+            </a:r>
+          </a:p>
+          <a:p>
+            <a:pPr lvl="1"/>
+            <a:r>
+              <a:rPr lang="en-US" dirty="0" smtClean="0"/>
+              <a:t>Asynchronous RE, replicas can perform exchanges with any other available replica, whenever possible – instead of  waiting for all the replicas to finish for a synchronized exchange step</a:t>
+            </a:r>
+          </a:p>
+          <a:p>
+            <a:pPr lvl="1"/>
+            <a:r>
+              <a:rPr lang="en-US" dirty="0" smtClean="0"/>
+              <a:t>This does not limit exchanges to fixed pairs of replicas. Any two replicas can attempt to exchange.</a:t>
+            </a:r>
+          </a:p>
+          <a:p>
+            <a:r>
+              <a:rPr lang="en-US" dirty="0" smtClean="0"/>
+              <a:t>Experiment with two different </a:t>
+            </a:r>
+            <a:r>
+              <a:rPr lang="en-US" dirty="0" err="1" smtClean="0"/>
+              <a:t>async</a:t>
+            </a:r>
+            <a:r>
+              <a:rPr lang="en-US" dirty="0" smtClean="0"/>
+              <a:t> implementations:</a:t>
+            </a:r>
+          </a:p>
+          <a:p>
+            <a:pPr lvl="1"/>
+            <a:r>
+              <a:rPr lang="en-US" dirty="0" smtClean="0"/>
+              <a:t>Centralized point of decision making &amp; </a:t>
+            </a:r>
+            <a:r>
+              <a:rPr lang="en-US" dirty="0" err="1" smtClean="0"/>
+              <a:t>coordination(cent</a:t>
+            </a:r>
+            <a:r>
+              <a:rPr lang="en-US" dirty="0" smtClean="0"/>
+              <a:t>)</a:t>
+            </a:r>
+          </a:p>
+          <a:p>
+            <a:pPr lvl="2"/>
+            <a:r>
+              <a:rPr lang="en-US" dirty="0" smtClean="0"/>
+              <a:t>A master co-ordinates and manages all the replicas and exchanges [Classical M-W Paradigm]</a:t>
+            </a:r>
+          </a:p>
+          <a:p>
+            <a:pPr lvl="1"/>
+            <a:r>
+              <a:rPr lang="en-US" dirty="0" smtClean="0"/>
+              <a:t>Decentralized coordination (De-cent)</a:t>
+            </a:r>
+          </a:p>
+          <a:p>
+            <a:pPr lvl="2"/>
+            <a:r>
+              <a:rPr lang="en-US" dirty="0" smtClean="0"/>
+              <a:t>Each replica is handled independently [akin to P2P..w/ M]</a:t>
+            </a:r>
+          </a:p>
+          <a:p>
+            <a:pPr lvl="2"/>
+            <a:r>
+              <a:rPr lang="en-US" dirty="0" smtClean="0"/>
+              <a:t>Does this prevent central manager/master from becoming a bottleneck,  with large N?</a:t>
+            </a:r>
+            <a:endParaRPr lang="en-US" dirty="0"/>
+          </a:p>
+        </p:txBody>
+      </p:sp>
+    </p:spTree>
+  </p:cSld>
+  <p:clrMapOvr>
+    <a:masterClrMapping/>
+  </p:clrMapOvr>
+  <p:timing>
+    <p:tnLst>
+      <p:par>
+        <p:cTn id="1" dur="indefinite" restart="never" nodeType="tmRoot"/>
+      </p:par>
+    </p:tnLst>
+  </p:timing>
+</p:sld>
+</file>
+
+<file path=ppt/slides/slide8.xml><?xml version="1.0" encoding="utf-8"?>
 <p:sld xmlns:a="http://schemas.openxmlformats.org/drawingml/2006/main" xmlns:r="http://schemas.openxmlformats.org/officeDocument/2006/relationships" xmlns:mc="http://schemas.openxmlformats.org/markup-compatibility/2006" xmlns:mv="urn:schemas-microsoft-com:mac:vml" xmlns:p="http://schemas.openxmlformats.org/presentationml/2006/main" mc:Ignorable="mv" mc:PreserveAttributes="mv:*">
   <p:cSld>
     <p:spTree>
@@ -12032,7 +11700,7 @@
 </p:sld>
 </file>
 
-<file path=ppt/slides/slide8.xml><?xml version="1.0" encoding="utf-8"?>
+<file path=ppt/slides/slide9.xml><?xml version="1.0" encoding="utf-8"?>
 <p:sld xmlns:a="http://schemas.openxmlformats.org/drawingml/2006/main" xmlns:r="http://schemas.openxmlformats.org/officeDocument/2006/relationships" xmlns:mc="http://schemas.openxmlformats.org/markup-compatibility/2006" xmlns:mv="urn:schemas-microsoft-com:mac:vml" xmlns:p="http://schemas.openxmlformats.org/presentationml/2006/main" mc:Ignorable="mv" mc:PreserveAttributes="mv:*">
   <p:cSld>
     <p:spTree>
@@ -12110,221 +11778,6 @@
           </a:prstGeom>
         </p:spPr>
       </p:pic>
-    </p:spTree>
-  </p:cSld>
-  <p:clrMapOvr>
-    <a:masterClrMapping/>
-  </p:clrMapOvr>
-  <p:timing>
-    <p:tnLst>
-      <p:par>
-        <p:cTn id="1" dur="indefinite" restart="never" nodeType="tmRoot"/>
-      </p:par>
-    </p:tnLst>
-  </p:timing>
-</p:sld>
-</file>
-
-<file path=ppt/slides/slide9.xml><?xml version="1.0" encoding="utf-8"?>
-<p:sld xmlns:a="http://schemas.openxmlformats.org/drawingml/2006/main" xmlns:r="http://schemas.openxmlformats.org/officeDocument/2006/relationships" xmlns:mc="http://schemas.openxmlformats.org/markup-compatibility/2006" xmlns:mv="urn:schemas-microsoft-com:mac:vml" xmlns:p="http://schemas.openxmlformats.org/presentationml/2006/main" mc:Ignorable="mv" mc:PreserveAttributes="mv:*">
-  <p:cSld>
-    <p:spTree>
-      <p:nvGrpSpPr>
-        <p:cNvPr id="1" name=""/>
-        <p:cNvGrpSpPr/>
-        <p:nvPr/>
-      </p:nvGrpSpPr>
-      <p:grpSpPr>
-        <a:xfrm>
-          <a:off x="0" y="0"/>
-          <a:ext cx="0" cy="0"/>
-          <a:chOff x="0" y="0"/>
-          <a:chExt cx="0" cy="0"/>
-        </a:xfrm>
-      </p:grpSpPr>
-      <p:sp>
-        <p:nvSpPr>
-          <p:cNvPr id="2" name="Title 1"/>
-          <p:cNvSpPr>
-            <a:spLocks noGrp="1"/>
-          </p:cNvSpPr>
-          <p:nvPr>
-            <p:ph type="title"/>
-          </p:nvPr>
-        </p:nvSpPr>
-        <p:spPr/>
-        <p:txBody>
-          <a:bodyPr>
-            <a:normAutofit fontScale="90000"/>
-          </a:bodyPr>
-          <a:lstStyle/>
-          <a:p>
-            <a:r>
-              <a:rPr lang="en-US" sz="2889" dirty="0" smtClean="0"/>
-              <a:t>SAGA </a:t>
-            </a:r>
-            <a:r>
-              <a:rPr lang="en-US" sz="2889" dirty="0" err="1" smtClean="0"/>
-              <a:t>BigJob</a:t>
-            </a:r>
-            <a:r>
-              <a:rPr lang="en-US" sz="2889" dirty="0" smtClean="0"/>
-              <a:t>: General purpose Pilot-Job </a:t>
-            </a:r>
-            <a:br>
-              <a:rPr lang="en-US" sz="2889" dirty="0" smtClean="0"/>
-            </a:br>
-            <a:endParaRPr lang="en-US" dirty="0"/>
-          </a:p>
-        </p:txBody>
-      </p:sp>
-      <p:sp>
-        <p:nvSpPr>
-          <p:cNvPr id="3" name="Content Placeholder 2"/>
-          <p:cNvSpPr>
-            <a:spLocks noGrp="1"/>
-          </p:cNvSpPr>
-          <p:nvPr>
-            <p:ph idx="1"/>
-          </p:nvPr>
-        </p:nvSpPr>
-        <p:spPr>
-          <a:xfrm>
-            <a:off x="757947" y="1529880"/>
-            <a:ext cx="7966954" cy="1683220"/>
-          </a:xfrm>
-        </p:spPr>
-        <p:txBody>
-          <a:bodyPr>
-            <a:normAutofit/>
-          </a:bodyPr>
-          <a:lstStyle/>
-          <a:p>
-            <a:r>
-              <a:rPr lang="en-US" dirty="0" smtClean="0"/>
-              <a:t>We use the SAGA </a:t>
-            </a:r>
-            <a:r>
-              <a:rPr lang="en-US" dirty="0" err="1" smtClean="0"/>
-              <a:t>BigJob</a:t>
-            </a:r>
-            <a:r>
-              <a:rPr lang="en-US" dirty="0" smtClean="0"/>
-              <a:t> (the </a:t>
-            </a:r>
-            <a:r>
-              <a:rPr lang="en-US" dirty="0"/>
-              <a:t>SAGA Pilot-Job </a:t>
-            </a:r>
-            <a:r>
-              <a:rPr lang="en-US" dirty="0" smtClean="0"/>
-              <a:t>framework</a:t>
-            </a:r>
-            <a:r>
-              <a:rPr lang="en-US" dirty="0"/>
-              <a:t>)</a:t>
-            </a:r>
-            <a:r>
-              <a:rPr lang="en-US" dirty="0" smtClean="0"/>
-              <a:t> to </a:t>
-            </a:r>
-            <a:r>
-              <a:rPr lang="en-US" dirty="0"/>
-              <a:t>run RE simulations across multiple</a:t>
-            </a:r>
-            <a:r>
-              <a:rPr lang="en-US" dirty="0" smtClean="0"/>
-              <a:t>, heterogeneous </a:t>
-            </a:r>
-            <a:r>
-              <a:rPr lang="en-US" dirty="0"/>
-              <a:t>distributed </a:t>
-            </a:r>
-            <a:r>
-              <a:rPr lang="en-US" dirty="0" smtClean="0"/>
-              <a:t>Grid infrastructures</a:t>
-            </a:r>
-            <a:r>
-              <a:rPr lang="en-US" dirty="0" smtClean="0"/>
-              <a:t>.  Supports both pull and push-based.</a:t>
-            </a:r>
-          </a:p>
-        </p:txBody>
-      </p:sp>
-      <p:pic>
-        <p:nvPicPr>
-          <p:cNvPr id="4" name="Picture 3" descr="Bigjob_arch.pdf"/>
-          <p:cNvPicPr>
-            <a:picLocks noChangeAspect="1"/>
-          </p:cNvPicPr>
-          <p:nvPr/>
-        </p:nvPicPr>
-        <mc:AlternateContent xmlns:ma="http://schemas.microsoft.com/office/mac/drawingml/2008/main">
-          <mc:Choice Requires="ma">
-            <p:blipFill>
-              <a:blip r:embed="rId2"/>
-              <a:stretch>
-                <a:fillRect/>
-              </a:stretch>
-            </p:blipFill>
-          </mc:Choice>
-          <mc:Fallback xmlns:p="http://schemas.openxmlformats.org/presentationml/2006/main" xmlns:mv="urn:schemas-microsoft-com:mac:vml" xmlns:mc="http://schemas.openxmlformats.org/markup-compatibility/2006" xmlns:r="http://schemas.openxmlformats.org/officeDocument/2006/relationships" xmlns:a="http://schemas.openxmlformats.org/drawingml/2006/main" xmlns="">
-            <p:blipFill>
-              <a:blip r:embed="rId3"/>
-              <a:stretch>
-                <a:fillRect/>
-              </a:stretch>
-            </p:blipFill>
-          </mc:Fallback>
-        </mc:AlternateContent>
-        <p:spPr>
-          <a:xfrm>
-            <a:off x="2881243" y="2654300"/>
-            <a:ext cx="6173857" cy="4091313"/>
-          </a:xfrm>
-          <a:prstGeom prst="rect">
-            <a:avLst/>
-          </a:prstGeom>
-        </p:spPr>
-      </p:pic>
-      <p:sp>
-        <p:nvSpPr>
-          <p:cNvPr id="5" name="TextBox 4"/>
-          <p:cNvSpPr txBox="1"/>
-          <p:nvPr/>
-        </p:nvSpPr>
-        <p:spPr>
-          <a:xfrm>
-            <a:off x="2404003" y="4802595"/>
-            <a:ext cx="827794" cy="215444"/>
-          </a:xfrm>
-          <a:prstGeom prst="rect">
-            <a:avLst/>
-          </a:prstGeom>
-          <a:noFill/>
-        </p:spPr>
-        <p:txBody>
-          <a:bodyPr wrap="square" rtlCol="0">
-            <a:spAutoFit/>
-          </a:bodyPr>
-          <a:lstStyle/>
-          <a:p>
-            <a:r>
-              <a:rPr lang="en-US" sz="800" dirty="0" smtClean="0">
-                <a:solidFill>
-                  <a:schemeClr val="bg1"/>
-                </a:solidFill>
-              </a:rPr>
-              <a:t>(Application)</a:t>
-            </a:r>
-            <a:endParaRPr lang="en-US" sz="800" dirty="0">
-              <a:solidFill>
-                <a:schemeClr val="bg1"/>
-              </a:solidFill>
-            </a:endParaRPr>
-          </a:p>
-        </p:txBody>
-      </p:sp>
     </p:spTree>
   </p:cSld>
   <p:clrMapOvr>

--- a/papers/async-re/data/RE_ahm10.pptx
+++ b/papers/async-re/data/RE_ahm10.pptx
@@ -493,11 +493,11 @@
           </c:val>
         </c:ser>
         <c:marker val="1"/>
-        <c:axId val="491440424"/>
-        <c:axId val="573202296"/>
+        <c:axId val="418648232"/>
+        <c:axId val="433960936"/>
       </c:lineChart>
       <c:catAx>
-        <c:axId val="491440424"/>
+        <c:axId val="418648232"/>
         <c:scaling>
           <c:orientation val="minMax"/>
         </c:scaling>
@@ -532,14 +532,14 @@
             <a:endParaRPr lang="en-US"/>
           </a:p>
         </c:txPr>
-        <c:crossAx val="573202296"/>
+        <c:crossAx val="433960936"/>
         <c:crosses val="autoZero"/>
         <c:auto val="1"/>
         <c:lblAlgn val="ctr"/>
         <c:lblOffset val="100"/>
       </c:catAx>
       <c:valAx>
-        <c:axId val="573202296"/>
+        <c:axId val="433960936"/>
         <c:scaling>
           <c:orientation val="minMax"/>
           <c:min val="400.0"/>
@@ -576,7 +576,7 @@
             <a:endParaRPr lang="en-US"/>
           </a:p>
         </c:txPr>
-        <c:crossAx val="491440424"/>
+        <c:crossAx val="418648232"/>
         <c:crosses val="autoZero"/>
         <c:crossBetween val="between"/>
         <c:majorUnit val="100.0"/>
@@ -965,11 +965,11 @@
             </c:numRef>
           </c:val>
         </c:ser>
-        <c:axId val="572966504"/>
-        <c:axId val="543295672"/>
+        <c:axId val="506501016"/>
+        <c:axId val="825155992"/>
       </c:barChart>
       <c:catAx>
-        <c:axId val="572966504"/>
+        <c:axId val="506501016"/>
         <c:scaling>
           <c:orientation val="minMax"/>
         </c:scaling>
@@ -1103,14 +1103,14 @@
           <c:layout/>
         </c:title>
         <c:tickLblPos val="nextTo"/>
-        <c:crossAx val="543295672"/>
+        <c:crossAx val="825155992"/>
         <c:crosses val="autoZero"/>
         <c:auto val="1"/>
         <c:lblAlgn val="ctr"/>
         <c:lblOffset val="100"/>
       </c:catAx>
       <c:valAx>
-        <c:axId val="543295672"/>
+        <c:axId val="825155992"/>
         <c:scaling>
           <c:orientation val="minMax"/>
         </c:scaling>
@@ -1136,7 +1136,7 @@
         </c:title>
         <c:numFmt formatCode="General" sourceLinked="1"/>
         <c:tickLblPos val="nextTo"/>
-        <c:crossAx val="572966504"/>
+        <c:crossAx val="506501016"/>
         <c:crosses val="autoZero"/>
         <c:crossBetween val="between"/>
       </c:valAx>
@@ -1244,7 +1244,7 @@
             <a:fld id="{9A6AC4B2-6F12-454D-8DA7-7B9C78843B81}" type="datetimeFigureOut">
               <a:rPr lang="en-US" smtClean="0"/>
               <a:pPr/>
-              <a:t>9/15/10</a:t>
+              <a:t>9/21/10</a:t>
             </a:fld>
             <a:endParaRPr lang="en-US"/>
           </a:p>
@@ -1407,7 +1407,7 @@
             <a:fld id="{19F24AD4-A78B-B645-8B43-825B1EB2901C}" type="datetimeFigureOut">
               <a:rPr lang="en-US" smtClean="0"/>
               <a:pPr/>
-              <a:t>9/15/10</a:t>
+              <a:t>9/21/10</a:t>
             </a:fld>
             <a:endParaRPr lang="en-US"/>
           </a:p>
@@ -2911,7 +2911,7 @@
             <a:fld id="{4C4AD4EB-88D0-C141-9474-CCD86A78CB94}" type="datetimeFigureOut">
               <a:rPr lang="en-US" smtClean="0"/>
               <a:pPr/>
-              <a:t>9/15/10</a:t>
+              <a:t>9/21/10</a:t>
             </a:fld>
             <a:endParaRPr lang="en-US" dirty="0"/>
           </a:p>
@@ -3250,7 +3250,7 @@
             <a:fld id="{F19CAA94-9393-BB4A-8CB6-008B1351A132}" type="datetime1">
               <a:rPr lang="en-US" smtClean="0"/>
               <a:pPr/>
-              <a:t>9/15/10</a:t>
+              <a:t>9/21/10</a:t>
             </a:fld>
             <a:endParaRPr lang="en-US"/>
           </a:p>
@@ -3573,7 +3573,7 @@
             <a:fld id="{459EC1CE-E98D-704D-AD6F-6E3323A36483}" type="datetime1">
               <a:rPr lang="en-US" smtClean="0"/>
               <a:pPr/>
-              <a:t>9/15/10</a:t>
+              <a:t>9/21/10</a:t>
             </a:fld>
             <a:endParaRPr lang="en-US"/>
           </a:p>
@@ -3849,7 +3849,7 @@
             <a:fld id="{23E692A5-8B3E-1949-B0CC-6F0593ACFA8E}" type="datetime1">
               <a:rPr lang="en-US" smtClean="0"/>
               <a:pPr/>
-              <a:t>9/15/10</a:t>
+              <a:t>9/21/10</a:t>
             </a:fld>
             <a:endParaRPr lang="en-US"/>
           </a:p>
@@ -4141,7 +4141,7 @@
             <a:fld id="{C381DA14-A3C0-9C42-96F2-BEE3D5DE963D}" type="datetime1">
               <a:rPr lang="en-US" smtClean="0"/>
               <a:pPr/>
-              <a:t>9/15/10</a:t>
+              <a:t>9/21/10</a:t>
             </a:fld>
             <a:endParaRPr lang="en-US"/>
           </a:p>
@@ -4468,7 +4468,7 @@
             <a:fld id="{33319320-9A5F-694B-B7B5-C734EC93AAA2}" type="datetime1">
               <a:rPr lang="en-US" smtClean="0"/>
               <a:pPr/>
-              <a:t>9/15/10</a:t>
+              <a:t>9/21/10</a:t>
             </a:fld>
             <a:endParaRPr lang="en-US"/>
           </a:p>
@@ -4716,7 +4716,7 @@
             <a:fld id="{CF6CE397-A6E6-7547-B24A-92BB5049E0F2}" type="datetime1">
               <a:rPr lang="en-US" smtClean="0"/>
               <a:pPr/>
-              <a:t>9/15/10</a:t>
+              <a:t>9/21/10</a:t>
             </a:fld>
             <a:endParaRPr lang="en-US"/>
           </a:p>
@@ -4893,7 +4893,7 @@
             <a:fld id="{27AB7D46-BD5E-E641-9118-DCE28F3B83FA}" type="datetime1">
               <a:rPr lang="en-US" smtClean="0"/>
               <a:pPr/>
-              <a:t>9/15/10</a:t>
+              <a:t>9/21/10</a:t>
             </a:fld>
             <a:endParaRPr lang="en-US"/>
           </a:p>
@@ -5008,7 +5008,7 @@
             <a:fld id="{4C4AD4EB-88D0-C141-9474-CCD86A78CB94}" type="datetimeFigureOut">
               <a:rPr lang="en-US" smtClean="0"/>
               <a:pPr/>
-              <a:t>9/15/10</a:t>
+              <a:t>9/21/10</a:t>
             </a:fld>
             <a:endParaRPr lang="en-US"/>
           </a:p>
@@ -5291,7 +5291,7 @@
             <a:fld id="{4C4AD4EB-88D0-C141-9474-CCD86A78CB94}" type="datetimeFigureOut">
               <a:rPr lang="en-US" smtClean="0"/>
               <a:pPr/>
-              <a:t>9/15/10</a:t>
+              <a:t>9/21/10</a:t>
             </a:fld>
             <a:endParaRPr lang="en-US" dirty="0"/>
           </a:p>
@@ -5506,7 +5506,7 @@
             <a:fld id="{4C4AD4EB-88D0-C141-9474-CCD86A78CB94}" type="datetimeFigureOut">
               <a:rPr lang="en-US" smtClean="0"/>
               <a:pPr/>
-              <a:t>9/15/10</a:t>
+              <a:t>9/21/10</a:t>
             </a:fld>
             <a:endParaRPr lang="en-US"/>
           </a:p>
@@ -5782,7 +5782,7 @@
             <a:fld id="{ADB8239A-D789-5443-937F-338E3AE3D41C}" type="datetime1">
               <a:rPr lang="en-US" smtClean="0"/>
               <a:pPr/>
-              <a:t>9/15/10</a:t>
+              <a:t>9/21/10</a:t>
             </a:fld>
             <a:endParaRPr lang="en-US"/>
           </a:p>
@@ -5855,7 +5855,7 @@
             <a:fld id="{4C4AD4EB-88D0-C141-9474-CCD86A78CB94}" type="datetimeFigureOut">
               <a:rPr lang="en-US" smtClean="0"/>
               <a:pPr/>
-              <a:t>9/15/10</a:t>
+              <a:t>9/21/10</a:t>
             </a:fld>
             <a:endParaRPr lang="en-US"/>
           </a:p>
@@ -6108,7 +6108,7 @@
             <a:fld id="{BC26097E-015C-3B4D-86C1-CD2AD30F0B81}" type="datetime1">
               <a:rPr lang="en-US" smtClean="0"/>
               <a:pPr/>
-              <a:t>9/15/10</a:t>
+              <a:t>9/21/10</a:t>
             </a:fld>
             <a:endParaRPr lang="en-US"/>
           </a:p>
@@ -6384,7 +6384,7 @@
             <a:fld id="{ED6649F4-2545-3040-B7BD-803CA59D50C7}" type="datetime1">
               <a:rPr lang="en-US" smtClean="0"/>
               <a:pPr/>
-              <a:t>9/15/10</a:t>
+              <a:t>9/21/10</a:t>
             </a:fld>
             <a:endParaRPr lang="en-US"/>
           </a:p>
@@ -6692,7 +6692,7 @@
             <a:fld id="{833A9088-CEDD-2F48-A9A0-611A3CC03FE9}" type="datetime1">
               <a:rPr lang="en-US" smtClean="0"/>
               <a:pPr/>
-              <a:t>9/15/10</a:t>
+              <a:t>9/21/10</a:t>
             </a:fld>
             <a:endParaRPr lang="en-US"/>
           </a:p>
@@ -6986,7 +6986,7 @@
             <a:fld id="{AED87ACF-EB3C-EA42-8610-542FB50388EB}" type="datetime1">
               <a:rPr lang="en-US" smtClean="0"/>
               <a:pPr/>
-              <a:t>9/15/10</a:t>
+              <a:t>9/21/10</a:t>
             </a:fld>
             <a:endParaRPr lang="en-US"/>
           </a:p>
@@ -7418,7 +7418,7 @@
             <a:fld id="{0E0DC31B-692F-774E-A937-DA560DE61DA8}" type="datetime1">
               <a:rPr lang="en-US" smtClean="0"/>
               <a:pPr/>
-              <a:t>9/15/10</a:t>
+              <a:t>9/21/10</a:t>
             </a:fld>
             <a:endParaRPr lang="en-US"/>
           </a:p>
@@ -7766,7 +7766,7 @@
             <a:fld id="{95DEFDAE-5BDC-1B4F-BC4C-23C867CEBC21}" type="datetime1">
               <a:rPr lang="en-US" smtClean="0"/>
               <a:pPr/>
-              <a:t>9/15/10</a:t>
+              <a:t>9/21/10</a:t>
             </a:fld>
             <a:endParaRPr lang="en-US"/>
           </a:p>
@@ -7858,7 +7858,7 @@
             <a:fld id="{9F53C516-787B-9A45-AFCF-5D75DD78DEBE}" type="datetime1">
               <a:rPr lang="en-US" smtClean="0"/>
               <a:pPr/>
-              <a:t>9/15/10</a:t>
+              <a:t>9/21/10</a:t>
             </a:fld>
             <a:endParaRPr lang="en-US"/>
           </a:p>
@@ -8072,7 +8072,7 @@
             <a:fld id="{A3476A5E-2ED6-7749-A8C1-D0B1EEEB97E0}" type="datetime1">
               <a:rPr lang="en-US" smtClean="0"/>
               <a:pPr/>
-              <a:t>9/15/10</a:t>
+              <a:t>9/21/10</a:t>
             </a:fld>
             <a:endParaRPr lang="en-US"/>
           </a:p>
@@ -8723,7 +8723,7 @@
             <a:fld id="{4C4AD4EB-88D0-C141-9474-CCD86A78CB94}" type="datetimeFigureOut">
               <a:rPr lang="en-US" smtClean="0"/>
               <a:pPr/>
-              <a:t>9/15/10</a:t>
+              <a:t>9/21/10</a:t>
             </a:fld>
             <a:endParaRPr lang="en-US"/>
           </a:p>
